--- a/Slides/Lecture 3.pptx
+++ b/Slides/Lecture 3.pptx
@@ -247,7 +247,7 @@
           <a:p>
             <a:fld id="{1CB48AD5-CDAE-4B7B-B49D-6DB81FF5A179}" type="datetimeFigureOut">
               <a:rPr lang="en-US" smtClean="0"/>
-              <a:t>8/22/2020</a:t>
+              <a:t>8/19/2021</a:t>
             </a:fld>
             <a:endParaRPr lang="en-US"/>
           </a:p>
@@ -661,7 +661,7 @@
           <a:p>
             <a:fld id="{C4959B56-7D6D-462F-B061-93C9E323EE8A}" type="datetimeFigureOut">
               <a:rPr lang="en-US" smtClean="0"/>
-              <a:t>8/22/2020</a:t>
+              <a:t>8/19/2021</a:t>
             </a:fld>
             <a:endParaRPr lang="en-US"/>
           </a:p>
@@ -859,7 +859,7 @@
           <a:p>
             <a:fld id="{C4959B56-7D6D-462F-B061-93C9E323EE8A}" type="datetimeFigureOut">
               <a:rPr lang="en-US" smtClean="0"/>
-              <a:t>8/22/2020</a:t>
+              <a:t>8/19/2021</a:t>
             </a:fld>
             <a:endParaRPr lang="en-US"/>
           </a:p>
@@ -1067,7 +1067,7 @@
           <a:p>
             <a:fld id="{C4959B56-7D6D-462F-B061-93C9E323EE8A}" type="datetimeFigureOut">
               <a:rPr lang="en-US" smtClean="0"/>
-              <a:t>8/22/2020</a:t>
+              <a:t>8/19/2021</a:t>
             </a:fld>
             <a:endParaRPr lang="en-US"/>
           </a:p>
@@ -1265,7 +1265,7 @@
           <a:p>
             <a:fld id="{C4959B56-7D6D-462F-B061-93C9E323EE8A}" type="datetimeFigureOut">
               <a:rPr lang="en-US" smtClean="0"/>
-              <a:t>8/22/2020</a:t>
+              <a:t>8/19/2021</a:t>
             </a:fld>
             <a:endParaRPr lang="en-US"/>
           </a:p>
@@ -1540,7 +1540,7 @@
           <a:p>
             <a:fld id="{C4959B56-7D6D-462F-B061-93C9E323EE8A}" type="datetimeFigureOut">
               <a:rPr lang="en-US" smtClean="0"/>
-              <a:t>8/22/2020</a:t>
+              <a:t>8/19/2021</a:t>
             </a:fld>
             <a:endParaRPr lang="en-US"/>
           </a:p>
@@ -1805,7 +1805,7 @@
           <a:p>
             <a:fld id="{C4959B56-7D6D-462F-B061-93C9E323EE8A}" type="datetimeFigureOut">
               <a:rPr lang="en-US" smtClean="0"/>
-              <a:t>8/22/2020</a:t>
+              <a:t>8/19/2021</a:t>
             </a:fld>
             <a:endParaRPr lang="en-US"/>
           </a:p>
@@ -2217,7 +2217,7 @@
           <a:p>
             <a:fld id="{C4959B56-7D6D-462F-B061-93C9E323EE8A}" type="datetimeFigureOut">
               <a:rPr lang="en-US" smtClean="0"/>
-              <a:t>8/22/2020</a:t>
+              <a:t>8/19/2021</a:t>
             </a:fld>
             <a:endParaRPr lang="en-US"/>
           </a:p>
@@ -2358,7 +2358,7 @@
           <a:p>
             <a:fld id="{C4959B56-7D6D-462F-B061-93C9E323EE8A}" type="datetimeFigureOut">
               <a:rPr lang="en-US" smtClean="0"/>
-              <a:t>8/22/2020</a:t>
+              <a:t>8/19/2021</a:t>
             </a:fld>
             <a:endParaRPr lang="en-US"/>
           </a:p>
@@ -2471,7 +2471,7 @@
           <a:p>
             <a:fld id="{C4959B56-7D6D-462F-B061-93C9E323EE8A}" type="datetimeFigureOut">
               <a:rPr lang="en-US" smtClean="0"/>
-              <a:t>8/22/2020</a:t>
+              <a:t>8/19/2021</a:t>
             </a:fld>
             <a:endParaRPr lang="en-US"/>
           </a:p>
@@ -2782,7 +2782,7 @@
           <a:p>
             <a:fld id="{C4959B56-7D6D-462F-B061-93C9E323EE8A}" type="datetimeFigureOut">
               <a:rPr lang="en-US" smtClean="0"/>
-              <a:t>8/22/2020</a:t>
+              <a:t>8/19/2021</a:t>
             </a:fld>
             <a:endParaRPr lang="en-US"/>
           </a:p>
@@ -3070,7 +3070,7 @@
           <a:p>
             <a:fld id="{C4959B56-7D6D-462F-B061-93C9E323EE8A}" type="datetimeFigureOut">
               <a:rPr lang="en-US" smtClean="0"/>
-              <a:t>8/22/2020</a:t>
+              <a:t>8/19/2021</a:t>
             </a:fld>
             <a:endParaRPr lang="en-US"/>
           </a:p>
@@ -3311,7 +3311,7 @@
           <a:p>
             <a:fld id="{C4959B56-7D6D-462F-B061-93C9E323EE8A}" type="datetimeFigureOut">
               <a:rPr lang="en-US" smtClean="0"/>
-              <a:t>8/22/2020</a:t>
+              <a:t>8/19/2021</a:t>
             </a:fld>
             <a:endParaRPr lang="en-US"/>
           </a:p>
@@ -3822,7 +3822,7 @@
                   <a:schemeClr val="accent1"/>
                 </a:solidFill>
               </a:rPr>
-              <a:t>Software Systems Engineering</a:t>
+              <a:t>Electrical and Computer Engineering (ECE)</a:t>
             </a:r>
           </a:p>
           <a:p>
@@ -4327,7 +4327,19 @@
                       <a:rPr lang="en-US" b="0" i="1" smtClean="0">
                         <a:latin typeface="Cambria Math" panose="02040503050406030204" pitchFamily="18" charset="0"/>
                       </a:rPr>
-                      <m:t>[1]</m:t>
+                      <m:t>[</m:t>
+                    </m:r>
+                    <m:r>
+                      <a:rPr lang="en-US" b="0" i="1" smtClean="0">
+                        <a:latin typeface="Cambria Math" panose="02040503050406030204" pitchFamily="18" charset="0"/>
+                      </a:rPr>
+                      <m:t>1</m:t>
+                    </m:r>
+                    <m:r>
+                      <a:rPr lang="en-US" b="0" i="1" smtClean="0">
+                        <a:latin typeface="Cambria Math" panose="02040503050406030204" pitchFamily="18" charset="0"/>
+                      </a:rPr>
+                      <m:t>]</m:t>
                     </m:r>
                   </m:oMath>
                 </a14:m>
@@ -10244,7 +10256,19 @@
                       <a:rPr lang="en-US" b="0" i="1" smtClean="0">
                         <a:latin typeface="Cambria Math" panose="02040503050406030204" pitchFamily="18" charset="0"/>
                       </a:rPr>
-                      <m:t>[1…</m:t>
+                      <m:t>[</m:t>
+                    </m:r>
+                    <m:r>
+                      <a:rPr lang="en-US" b="0" i="1" smtClean="0">
+                        <a:latin typeface="Cambria Math" panose="02040503050406030204" pitchFamily="18" charset="0"/>
+                      </a:rPr>
+                      <m:t>1</m:t>
+                    </m:r>
+                    <m:r>
+                      <a:rPr lang="en-US" b="0" i="1" smtClean="0">
+                        <a:latin typeface="Cambria Math" panose="02040503050406030204" pitchFamily="18" charset="0"/>
+                      </a:rPr>
+                      <m:t>…</m:t>
                     </m:r>
                     <m:r>
                       <a:rPr lang="en-US" b="0" i="1" smtClean="0">
@@ -10616,7 +10640,19 @@
                       <a:rPr lang="en-US" b="0" i="1" smtClean="0">
                         <a:latin typeface="Cambria Math" panose="02040503050406030204" pitchFamily="18" charset="0"/>
                       </a:rPr>
-                      <m:t>[1…</m:t>
+                      <m:t>[</m:t>
+                    </m:r>
+                    <m:r>
+                      <a:rPr lang="en-US" b="0" i="1" smtClean="0">
+                        <a:latin typeface="Cambria Math" panose="02040503050406030204" pitchFamily="18" charset="0"/>
+                      </a:rPr>
+                      <m:t>1</m:t>
+                    </m:r>
+                    <m:r>
+                      <a:rPr lang="en-US" b="0" i="1" smtClean="0">
+                        <a:latin typeface="Cambria Math" panose="02040503050406030204" pitchFamily="18" charset="0"/>
+                      </a:rPr>
+                      <m:t>…</m:t>
                     </m:r>
                     <m:r>
                       <a:rPr lang="en-US" b="0" i="1" smtClean="0">
@@ -10780,7 +10816,19 @@
                       <a:rPr lang="en-US" b="0" i="0" smtClean="0">
                         <a:latin typeface="Cambria Math" panose="02040503050406030204" pitchFamily="18" charset="0"/>
                       </a:rPr>
-                      <m:t>+1,</m:t>
+                      <m:t>+</m:t>
+                    </m:r>
+                    <m:r>
+                      <a:rPr lang="en-US" b="0" i="0" smtClean="0">
+                        <a:latin typeface="Cambria Math" panose="02040503050406030204" pitchFamily="18" charset="0"/>
+                      </a:rPr>
+                      <m:t>1</m:t>
+                    </m:r>
+                    <m:r>
+                      <a:rPr lang="en-US" b="0" i="0" smtClean="0">
+                        <a:latin typeface="Cambria Math" panose="02040503050406030204" pitchFamily="18" charset="0"/>
+                      </a:rPr>
+                      <m:t>,</m:t>
                     </m:r>
                     <m:d>
                       <m:dPr>
@@ -10831,7 +10879,13 @@
                       <a:rPr lang="en-US" b="0" i="0" smtClean="0">
                         <a:latin typeface="Cambria Math" panose="02040503050406030204" pitchFamily="18" charset="0"/>
                       </a:rPr>
-                      <m:t>2,…,</m:t>
+                      <m:t>2</m:t>
+                    </m:r>
+                    <m:r>
+                      <a:rPr lang="en-US" b="0" i="0" smtClean="0">
+                        <a:latin typeface="Cambria Math" panose="02040503050406030204" pitchFamily="18" charset="0"/>
+                      </a:rPr>
+                      <m:t>,…,</m:t>
                     </m:r>
                     <m:r>
                       <m:rPr>
@@ -11765,7 +11819,16 @@
                         </a:solidFill>
                         <a:latin typeface="Cambria Math" panose="02040503050406030204" pitchFamily="18" charset="0"/>
                       </a:rPr>
-                      <m:t>−1</m:t>
+                      <m:t>−</m:t>
+                    </m:r>
+                    <m:r>
+                      <a:rPr lang="en-US" b="0" i="0" smtClean="0">
+                        <a:solidFill>
+                          <a:schemeClr val="tx1"/>
+                        </a:solidFill>
+                        <a:latin typeface="Cambria Math" panose="02040503050406030204" pitchFamily="18" charset="0"/>
+                      </a:rPr>
+                      <m:t>1</m:t>
                     </m:r>
                   </m:oMath>
                 </a14:m>
@@ -11879,7 +11942,16 @@
                         </a:solidFill>
                         <a:latin typeface="Cambria Math" panose="02040503050406030204" pitchFamily="18" charset="0"/>
                       </a:rPr>
-                      <m:t>−2</m:t>
+                      <m:t>−</m:t>
+                    </m:r>
+                    <m:r>
+                      <a:rPr lang="en-US" b="0" i="0" smtClean="0">
+                        <a:solidFill>
+                          <a:schemeClr val="tx1"/>
+                        </a:solidFill>
+                        <a:latin typeface="Cambria Math" panose="02040503050406030204" pitchFamily="18" charset="0"/>
+                      </a:rPr>
+                      <m:t>2</m:t>
                     </m:r>
                   </m:oMath>
                 </a14:m>
@@ -11959,7 +12031,16 @@
                         </a:solidFill>
                         <a:latin typeface="Cambria Math" panose="02040503050406030204" pitchFamily="18" charset="0"/>
                       </a:rPr>
-                      <m:t>+2</m:t>
+                      <m:t>+</m:t>
+                    </m:r>
+                    <m:r>
+                      <a:rPr lang="en-US" b="0" i="1" smtClean="0">
+                        <a:solidFill>
+                          <a:schemeClr val="tx1"/>
+                        </a:solidFill>
+                        <a:latin typeface="Cambria Math" panose="02040503050406030204" pitchFamily="18" charset="0"/>
+                      </a:rPr>
+                      <m:t>2</m:t>
                     </m:r>
                     <m:r>
                       <a:rPr lang="en-US" b="0" i="0" smtClean="0">
@@ -12147,7 +12228,16 @@
                         </a:solidFill>
                         <a:latin typeface="Cambria Math" panose="02040503050406030204" pitchFamily="18" charset="0"/>
                       </a:rPr>
-                      <m:t>+1</m:t>
+                      <m:t>+</m:t>
+                    </m:r>
+                    <m:r>
+                      <a:rPr lang="en-US" b="0" i="1" smtClean="0">
+                        <a:solidFill>
+                          <a:schemeClr val="tx1"/>
+                        </a:solidFill>
+                        <a:latin typeface="Cambria Math" panose="02040503050406030204" pitchFamily="18" charset="0"/>
+                      </a:rPr>
+                      <m:t>1</m:t>
                     </m:r>
                   </m:oMath>
                 </a14:m>
@@ -15757,7 +15847,16 @@
                               </a:solidFill>
                               <a:latin typeface="Cambria Math" panose="02040503050406030204" pitchFamily="18" charset="0"/>
                             </a:rPr>
-                            <m:t>−1</m:t>
+                            <m:t>−</m:t>
+                          </m:r>
+                          <m:r>
+                            <a:rPr lang="en-US" b="0" i="1" smtClean="0">
+                              <a:solidFill>
+                                <a:schemeClr val="tx1"/>
+                              </a:solidFill>
+                              <a:latin typeface="Cambria Math" panose="02040503050406030204" pitchFamily="18" charset="0"/>
+                            </a:rPr>
+                            <m:t>1</m:t>
                           </m:r>
                         </m:sub>
                       </m:sSub>
@@ -15898,7 +15997,16 @@
                                               </a:solidFill>
                                               <a:latin typeface="Cambria Math" panose="02040503050406030204" pitchFamily="18" charset="0"/>
                                             </a:rPr>
-                                            <m:t>−1</m:t>
+                                            <m:t>−</m:t>
+                                          </m:r>
+                                          <m:r>
+                                            <a:rPr lang="en-US" b="0" i="1" smtClean="0">
+                                              <a:solidFill>
+                                                <a:schemeClr val="tx1"/>
+                                              </a:solidFill>
+                                              <a:latin typeface="Cambria Math" panose="02040503050406030204" pitchFamily="18" charset="0"/>
+                                            </a:rPr>
+                                            <m:t>1</m:t>
                                           </m:r>
                                         </m:e>
                                       </m:d>
@@ -15909,7 +16017,16 @@
                                           </a:solidFill>
                                           <a:latin typeface="Cambria Math" panose="02040503050406030204" pitchFamily="18" charset="0"/>
                                         </a:rPr>
-                                        <m:t>+1</m:t>
+                                        <m:t>+</m:t>
+                                      </m:r>
+                                      <m:r>
+                                        <a:rPr lang="en-US" b="0" i="1" smtClean="0">
+                                          <a:solidFill>
+                                            <a:schemeClr val="tx1"/>
+                                          </a:solidFill>
+                                          <a:latin typeface="Cambria Math" panose="02040503050406030204" pitchFamily="18" charset="0"/>
+                                        </a:rPr>
+                                        <m:t>1</m:t>
                                       </m:r>
                                     </m:sup>
                                   </m:sSup>
@@ -16754,7 +16871,16 @@
                                             </a:solidFill>
                                             <a:latin typeface="Cambria Math" panose="02040503050406030204" pitchFamily="18" charset="0"/>
                                           </a:rPr>
-                                          <m:t>+1</m:t>
+                                          <m:t>+</m:t>
+                                        </m:r>
+                                        <m:r>
+                                          <a:rPr lang="en-US" b="0" i="1" smtClean="0">
+                                            <a:solidFill>
+                                              <a:schemeClr val="tx1"/>
+                                            </a:solidFill>
+                                            <a:latin typeface="Cambria Math" panose="02040503050406030204" pitchFamily="18" charset="0"/>
+                                          </a:rPr>
+                                          <m:t>1</m:t>
                                         </m:r>
                                       </m:sup>
                                     </m:sSup>
@@ -16963,7 +17089,16 @@
                                         </a:solidFill>
                                         <a:latin typeface="Cambria Math" panose="02040503050406030204" pitchFamily="18" charset="0"/>
                                       </a:rPr>
-                                      <m:t>+1</m:t>
+                                      <m:t>+</m:t>
+                                    </m:r>
+                                    <m:r>
+                                      <a:rPr lang="en-US" b="0" i="1" smtClean="0">
+                                        <a:solidFill>
+                                          <a:schemeClr val="tx1"/>
+                                        </a:solidFill>
+                                        <a:latin typeface="Cambria Math" panose="02040503050406030204" pitchFamily="18" charset="0"/>
+                                      </a:rPr>
+                                      <m:t>1</m:t>
                                     </m:r>
                                   </m:sup>
                                 </m:sSup>
@@ -17255,7 +17390,16 @@
                                         </a:solidFill>
                                         <a:latin typeface="Cambria Math" panose="02040503050406030204" pitchFamily="18" charset="0"/>
                                       </a:rPr>
-                                      <m:t>+1</m:t>
+                                      <m:t>+</m:t>
+                                    </m:r>
+                                    <m:r>
+                                      <a:rPr lang="en-US" b="0" i="1" smtClean="0">
+                                        <a:solidFill>
+                                          <a:schemeClr val="tx1"/>
+                                        </a:solidFill>
+                                        <a:latin typeface="Cambria Math" panose="02040503050406030204" pitchFamily="18" charset="0"/>
+                                      </a:rPr>
+                                      <m:t>1</m:t>
                                     </m:r>
                                   </m:sup>
                                 </m:sSup>
@@ -17424,7 +17568,16 @@
                         </a:solidFill>
                         <a:latin typeface="Cambria Math" panose="02040503050406030204" pitchFamily="18" charset="0"/>
                       </a:rPr>
-                      <m:t>0≤</m:t>
+                      <m:t>0</m:t>
+                    </m:r>
+                    <m:r>
+                      <a:rPr lang="en-US" b="0" i="1" smtClean="0">
+                        <a:solidFill>
+                          <a:schemeClr val="tx1"/>
+                        </a:solidFill>
+                        <a:latin typeface="Cambria Math" panose="02040503050406030204" pitchFamily="18" charset="0"/>
+                      </a:rPr>
+                      <m:t>≤</m:t>
                     </m:r>
                     <m:r>
                       <a:rPr lang="en-US" b="0" i="1" smtClean="0">
@@ -17588,6 +17741,1519 @@
                     </a:solidFill>
                   </a:rPr>
                   <a:t>	</a:t>
+                </a:r>
+                <a14:m>
+                  <m:oMath xmlns:m="http://schemas.openxmlformats.org/officeDocument/2006/math">
+                    <m:nary>
+                      <m:naryPr>
+                        <m:chr m:val="∑"/>
+                        <m:ctrlPr>
+                          <a:rPr lang="en-US" i="1" smtClean="0">
+                            <a:solidFill>
+                              <a:schemeClr val="tx1"/>
+                            </a:solidFill>
+                            <a:latin typeface="Cambria Math" panose="02040503050406030204" pitchFamily="18" charset="0"/>
+                          </a:rPr>
+                        </m:ctrlPr>
+                      </m:naryPr>
+                      <m:sub>
+                        <m:r>
+                          <m:rPr>
+                            <m:brk m:alnAt="23"/>
+                          </m:rPr>
+                          <a:rPr lang="en-US" b="0" i="1" smtClean="0">
+                            <a:solidFill>
+                              <a:schemeClr val="tx1"/>
+                            </a:solidFill>
+                            <a:latin typeface="Cambria Math" panose="02040503050406030204" pitchFamily="18" charset="0"/>
+                          </a:rPr>
+                          <m:t>𝑖</m:t>
+                        </m:r>
+                        <m:r>
+                          <a:rPr lang="en-US" b="0" i="1" smtClean="0">
+                            <a:solidFill>
+                              <a:schemeClr val="tx1"/>
+                            </a:solidFill>
+                            <a:latin typeface="Cambria Math" panose="02040503050406030204" pitchFamily="18" charset="0"/>
+                          </a:rPr>
+                          <m:t>=</m:t>
+                        </m:r>
+                        <m:r>
+                          <a:rPr lang="en-US" b="0" i="1" smtClean="0">
+                            <a:solidFill>
+                              <a:schemeClr val="tx1"/>
+                            </a:solidFill>
+                            <a:latin typeface="Cambria Math" panose="02040503050406030204" pitchFamily="18" charset="0"/>
+                          </a:rPr>
+                          <m:t>0</m:t>
+                        </m:r>
+                      </m:sub>
+                      <m:sup>
+                        <m:d>
+                          <m:dPr>
+                            <m:begChr m:val="⌊"/>
+                            <m:endChr m:val="⌋"/>
+                            <m:ctrlPr>
+                              <a:rPr lang="en-US" i="1" smtClean="0">
+                                <a:solidFill>
+                                  <a:schemeClr val="tx1"/>
+                                </a:solidFill>
+                                <a:latin typeface="Cambria Math" panose="02040503050406030204" pitchFamily="18" charset="0"/>
+                              </a:rPr>
+                            </m:ctrlPr>
+                          </m:dPr>
+                          <m:e>
+                            <m:func>
+                              <m:funcPr>
+                                <m:ctrlPr>
+                                  <a:rPr lang="en-US" i="1" smtClean="0">
+                                    <a:solidFill>
+                                      <a:schemeClr val="tx1"/>
+                                    </a:solidFill>
+                                    <a:latin typeface="Cambria Math" panose="02040503050406030204" pitchFamily="18" charset="0"/>
+                                  </a:rPr>
+                                </m:ctrlPr>
+                              </m:funcPr>
+                              <m:fName>
+                                <m:sSub>
+                                  <m:sSubPr>
+                                    <m:ctrlPr>
+                                      <a:rPr lang="en-US" i="1" smtClean="0">
+                                        <a:solidFill>
+                                          <a:schemeClr val="tx1"/>
+                                        </a:solidFill>
+                                        <a:latin typeface="Cambria Math" panose="02040503050406030204" pitchFamily="18" charset="0"/>
+                                      </a:rPr>
+                                    </m:ctrlPr>
+                                  </m:sSubPr>
+                                  <m:e>
+                                    <m:r>
+                                      <m:rPr>
+                                        <m:sty m:val="p"/>
+                                      </m:rPr>
+                                      <a:rPr lang="en-US" i="0" smtClean="0">
+                                        <a:solidFill>
+                                          <a:schemeClr val="tx1"/>
+                                        </a:solidFill>
+                                        <a:latin typeface="Cambria Math" panose="02040503050406030204" pitchFamily="18" charset="0"/>
+                                      </a:rPr>
+                                      <m:t>log</m:t>
+                                    </m:r>
+                                  </m:e>
+                                  <m:sub>
+                                    <m:r>
+                                      <a:rPr lang="en-US" b="0" i="1" smtClean="0">
+                                        <a:solidFill>
+                                          <a:schemeClr val="tx1"/>
+                                        </a:solidFill>
+                                        <a:latin typeface="Cambria Math" panose="02040503050406030204" pitchFamily="18" charset="0"/>
+                                      </a:rPr>
+                                      <m:t>2</m:t>
+                                    </m:r>
+                                  </m:sub>
+                                </m:sSub>
+                              </m:fName>
+                              <m:e>
+                                <m:r>
+                                  <a:rPr lang="en-US" b="0" i="1" smtClean="0">
+                                    <a:solidFill>
+                                      <a:schemeClr val="tx1"/>
+                                    </a:solidFill>
+                                    <a:latin typeface="Cambria Math" panose="02040503050406030204" pitchFamily="18" charset="0"/>
+                                  </a:rPr>
+                                  <m:t>𝑛</m:t>
+                                </m:r>
+                              </m:e>
+                            </m:func>
+                          </m:e>
+                        </m:d>
+                      </m:sup>
+                      <m:e>
+                        <m:d>
+                          <m:dPr>
+                            <m:begChr m:val="⌈"/>
+                            <m:endChr m:val="⌉"/>
+                            <m:ctrlPr>
+                              <a:rPr lang="en-US" i="1" smtClean="0">
+                                <a:solidFill>
+                                  <a:schemeClr val="tx1"/>
+                                </a:solidFill>
+                                <a:latin typeface="Cambria Math" panose="02040503050406030204" pitchFamily="18" charset="0"/>
+                              </a:rPr>
+                            </m:ctrlPr>
+                          </m:dPr>
+                          <m:e>
+                            <m:box>
+                              <m:boxPr>
+                                <m:ctrlPr>
+                                  <a:rPr lang="en-US" i="1" smtClean="0">
+                                    <a:solidFill>
+                                      <a:schemeClr val="tx1"/>
+                                    </a:solidFill>
+                                    <a:latin typeface="Cambria Math" panose="02040503050406030204" pitchFamily="18" charset="0"/>
+                                  </a:rPr>
+                                </m:ctrlPr>
+                              </m:boxPr>
+                              <m:e>
+                                <m:argPr>
+                                  <m:argSz m:val="-1"/>
+                                </m:argPr>
+                                <m:f>
+                                  <m:fPr>
+                                    <m:ctrlPr>
+                                      <a:rPr lang="en-US" i="1" smtClean="0">
+                                        <a:solidFill>
+                                          <a:schemeClr val="tx1"/>
+                                        </a:solidFill>
+                                        <a:latin typeface="Cambria Math" panose="02040503050406030204" pitchFamily="18" charset="0"/>
+                                      </a:rPr>
+                                    </m:ctrlPr>
+                                  </m:fPr>
+                                  <m:num>
+                                    <m:r>
+                                      <a:rPr lang="en-US" b="0" i="1" smtClean="0">
+                                        <a:solidFill>
+                                          <a:schemeClr val="tx1"/>
+                                        </a:solidFill>
+                                        <a:latin typeface="Cambria Math" panose="02040503050406030204" pitchFamily="18" charset="0"/>
+                                      </a:rPr>
+                                      <m:t>𝑛</m:t>
+                                    </m:r>
+                                  </m:num>
+                                  <m:den>
+                                    <m:sSup>
+                                      <m:sSupPr>
+                                        <m:ctrlPr>
+                                          <a:rPr lang="en-US" i="1" smtClean="0">
+                                            <a:solidFill>
+                                              <a:schemeClr val="tx1"/>
+                                            </a:solidFill>
+                                            <a:latin typeface="Cambria Math" panose="02040503050406030204" pitchFamily="18" charset="0"/>
+                                          </a:rPr>
+                                        </m:ctrlPr>
+                                      </m:sSupPr>
+                                      <m:e>
+                                        <m:r>
+                                          <a:rPr lang="en-US" b="0" i="1" smtClean="0">
+                                            <a:solidFill>
+                                              <a:schemeClr val="tx1"/>
+                                            </a:solidFill>
+                                            <a:latin typeface="Cambria Math" panose="02040503050406030204" pitchFamily="18" charset="0"/>
+                                          </a:rPr>
+                                          <m:t>2</m:t>
+                                        </m:r>
+                                      </m:e>
+                                      <m:sup>
+                                        <m:r>
+                                          <a:rPr lang="en-US" b="0" i="1" smtClean="0">
+                                            <a:solidFill>
+                                              <a:schemeClr val="tx1"/>
+                                            </a:solidFill>
+                                            <a:latin typeface="Cambria Math" panose="02040503050406030204" pitchFamily="18" charset="0"/>
+                                          </a:rPr>
+                                          <m:t>h</m:t>
+                                        </m:r>
+                                        <m:r>
+                                          <a:rPr lang="en-US" b="0" i="1" smtClean="0">
+                                            <a:solidFill>
+                                              <a:schemeClr val="tx1"/>
+                                            </a:solidFill>
+                                            <a:latin typeface="Cambria Math" panose="02040503050406030204" pitchFamily="18" charset="0"/>
+                                          </a:rPr>
+                                          <m:t>+</m:t>
+                                        </m:r>
+                                        <m:r>
+                                          <a:rPr lang="en-US" b="0" i="1" smtClean="0">
+                                            <a:solidFill>
+                                              <a:schemeClr val="tx1"/>
+                                            </a:solidFill>
+                                            <a:latin typeface="Cambria Math" panose="02040503050406030204" pitchFamily="18" charset="0"/>
+                                          </a:rPr>
+                                          <m:t>1</m:t>
+                                        </m:r>
+                                      </m:sup>
+                                    </m:sSup>
+                                  </m:den>
+                                </m:f>
+                              </m:e>
+                            </m:box>
+                          </m:e>
+                        </m:d>
+                      </m:e>
+                    </m:nary>
+                    <m:r>
+                      <a:rPr lang="en-US" b="0" i="1" smtClean="0">
+                        <a:solidFill>
+                          <a:schemeClr val="tx1"/>
+                        </a:solidFill>
+                        <a:latin typeface="Cambria Math" panose="02040503050406030204" pitchFamily="18" charset="0"/>
+                      </a:rPr>
+                      <m:t>𝑂</m:t>
+                    </m:r>
+                    <m:d>
+                      <m:dPr>
+                        <m:ctrlPr>
+                          <a:rPr lang="en-US" b="0" i="1" smtClean="0">
+                            <a:solidFill>
+                              <a:schemeClr val="tx1"/>
+                            </a:solidFill>
+                            <a:latin typeface="Cambria Math" panose="02040503050406030204" pitchFamily="18" charset="0"/>
+                          </a:rPr>
+                        </m:ctrlPr>
+                      </m:dPr>
+                      <m:e>
+                        <m:r>
+                          <a:rPr lang="en-US" b="0" i="1" smtClean="0">
+                            <a:solidFill>
+                              <a:schemeClr val="tx1"/>
+                            </a:solidFill>
+                            <a:latin typeface="Cambria Math" panose="02040503050406030204" pitchFamily="18" charset="0"/>
+                          </a:rPr>
+                          <m:t>h</m:t>
+                        </m:r>
+                      </m:e>
+                    </m:d>
+                    <m:r>
+                      <a:rPr lang="en-US" b="0" i="1" smtClean="0">
+                        <a:solidFill>
+                          <a:schemeClr val="tx1"/>
+                        </a:solidFill>
+                        <a:latin typeface="Cambria Math" panose="02040503050406030204" pitchFamily="18" charset="0"/>
+                      </a:rPr>
+                      <m:t>=</m:t>
+                    </m:r>
+                    <m:r>
+                      <a:rPr lang="en-US" b="0" i="1" smtClean="0">
+                        <a:solidFill>
+                          <a:schemeClr val="tx1"/>
+                        </a:solidFill>
+                        <a:latin typeface="Cambria Math" panose="02040503050406030204" pitchFamily="18" charset="0"/>
+                      </a:rPr>
+                      <m:t>𝑂</m:t>
+                    </m:r>
+                    <m:d>
+                      <m:dPr>
+                        <m:ctrlPr>
+                          <a:rPr lang="en-US" b="0" i="1" smtClean="0">
+                            <a:solidFill>
+                              <a:schemeClr val="tx1"/>
+                            </a:solidFill>
+                            <a:latin typeface="Cambria Math" panose="02040503050406030204" pitchFamily="18" charset="0"/>
+                          </a:rPr>
+                        </m:ctrlPr>
+                      </m:dPr>
+                      <m:e>
+                        <m:box>
+                          <m:boxPr>
+                            <m:ctrlPr>
+                              <a:rPr lang="en-US" b="0" i="1" smtClean="0">
+                                <a:solidFill>
+                                  <a:schemeClr val="tx1"/>
+                                </a:solidFill>
+                                <a:latin typeface="Cambria Math" panose="02040503050406030204" pitchFamily="18" charset="0"/>
+                              </a:rPr>
+                            </m:ctrlPr>
+                          </m:boxPr>
+                          <m:e>
+                            <m:argPr>
+                              <m:argSz m:val="-1"/>
+                            </m:argPr>
+                            <m:f>
+                              <m:fPr>
+                                <m:ctrlPr>
+                                  <a:rPr lang="en-US" b="0" i="1" smtClean="0">
+                                    <a:solidFill>
+                                      <a:schemeClr val="tx1"/>
+                                    </a:solidFill>
+                                    <a:latin typeface="Cambria Math" panose="02040503050406030204" pitchFamily="18" charset="0"/>
+                                  </a:rPr>
+                                </m:ctrlPr>
+                              </m:fPr>
+                              <m:num>
+                                <m:r>
+                                  <a:rPr lang="en-US" b="0" i="1" smtClean="0">
+                                    <a:solidFill>
+                                      <a:schemeClr val="tx1"/>
+                                    </a:solidFill>
+                                    <a:latin typeface="Cambria Math" panose="02040503050406030204" pitchFamily="18" charset="0"/>
+                                  </a:rPr>
+                                  <m:t>𝑛</m:t>
+                                </m:r>
+                              </m:num>
+                              <m:den>
+                                <m:r>
+                                  <a:rPr lang="en-US" b="0" i="1" smtClean="0">
+                                    <a:solidFill>
+                                      <a:schemeClr val="tx1"/>
+                                    </a:solidFill>
+                                    <a:latin typeface="Cambria Math" panose="02040503050406030204" pitchFamily="18" charset="0"/>
+                                  </a:rPr>
+                                  <m:t>2</m:t>
+                                </m:r>
+                              </m:den>
+                            </m:f>
+                          </m:e>
+                        </m:box>
+                        <m:nary>
+                          <m:naryPr>
+                            <m:chr m:val="∑"/>
+                            <m:ctrlPr>
+                              <a:rPr lang="en-US" i="1">
+                                <a:latin typeface="Cambria Math" panose="02040503050406030204" pitchFamily="18" charset="0"/>
+                              </a:rPr>
+                            </m:ctrlPr>
+                          </m:naryPr>
+                          <m:sub>
+                            <m:r>
+                              <m:rPr>
+                                <m:brk m:alnAt="23"/>
+                              </m:rPr>
+                              <a:rPr lang="en-US" i="1">
+                                <a:latin typeface="Cambria Math" panose="02040503050406030204" pitchFamily="18" charset="0"/>
+                              </a:rPr>
+                              <m:t>𝑖</m:t>
+                            </m:r>
+                            <m:r>
+                              <a:rPr lang="en-US" i="1">
+                                <a:latin typeface="Cambria Math" panose="02040503050406030204" pitchFamily="18" charset="0"/>
+                              </a:rPr>
+                              <m:t>=</m:t>
+                            </m:r>
+                            <m:r>
+                              <a:rPr lang="en-US" i="1">
+                                <a:latin typeface="Cambria Math" panose="02040503050406030204" pitchFamily="18" charset="0"/>
+                              </a:rPr>
+                              <m:t>0</m:t>
+                            </m:r>
+                          </m:sub>
+                          <m:sup>
+                            <m:d>
+                              <m:dPr>
+                                <m:begChr m:val="⌊"/>
+                                <m:endChr m:val="⌋"/>
+                                <m:ctrlPr>
+                                  <a:rPr lang="en-US" i="1">
+                                    <a:latin typeface="Cambria Math" panose="02040503050406030204" pitchFamily="18" charset="0"/>
+                                  </a:rPr>
+                                </m:ctrlPr>
+                              </m:dPr>
+                              <m:e>
+                                <m:func>
+                                  <m:funcPr>
+                                    <m:ctrlPr>
+                                      <a:rPr lang="en-US" i="1">
+                                        <a:latin typeface="Cambria Math" panose="02040503050406030204" pitchFamily="18" charset="0"/>
+                                      </a:rPr>
+                                    </m:ctrlPr>
+                                  </m:funcPr>
+                                  <m:fName>
+                                    <m:sSub>
+                                      <m:sSubPr>
+                                        <m:ctrlPr>
+                                          <a:rPr lang="en-US" i="1">
+                                            <a:latin typeface="Cambria Math" panose="02040503050406030204" pitchFamily="18" charset="0"/>
+                                          </a:rPr>
+                                        </m:ctrlPr>
+                                      </m:sSubPr>
+                                      <m:e>
+                                        <m:r>
+                                          <m:rPr>
+                                            <m:sty m:val="p"/>
+                                          </m:rPr>
+                                          <a:rPr lang="en-US">
+                                            <a:latin typeface="Cambria Math" panose="02040503050406030204" pitchFamily="18" charset="0"/>
+                                          </a:rPr>
+                                          <m:t>log</m:t>
+                                        </m:r>
+                                      </m:e>
+                                      <m:sub>
+                                        <m:r>
+                                          <a:rPr lang="en-US" i="1">
+                                            <a:latin typeface="Cambria Math" panose="02040503050406030204" pitchFamily="18" charset="0"/>
+                                          </a:rPr>
+                                          <m:t>2</m:t>
+                                        </m:r>
+                                      </m:sub>
+                                    </m:sSub>
+                                  </m:fName>
+                                  <m:e>
+                                    <m:r>
+                                      <a:rPr lang="en-US" i="1">
+                                        <a:latin typeface="Cambria Math" panose="02040503050406030204" pitchFamily="18" charset="0"/>
+                                      </a:rPr>
+                                      <m:t>𝑛</m:t>
+                                    </m:r>
+                                  </m:e>
+                                </m:func>
+                              </m:e>
+                            </m:d>
+                          </m:sup>
+                          <m:e>
+                            <m:f>
+                              <m:fPr>
+                                <m:ctrlPr>
+                                  <a:rPr lang="en-US" i="1">
+                                    <a:latin typeface="Cambria Math" panose="02040503050406030204" pitchFamily="18" charset="0"/>
+                                  </a:rPr>
+                                </m:ctrlPr>
+                              </m:fPr>
+                              <m:num>
+                                <m:r>
+                                  <a:rPr lang="en-US" b="0" i="1" smtClean="0">
+                                    <a:latin typeface="Cambria Math" panose="02040503050406030204" pitchFamily="18" charset="0"/>
+                                  </a:rPr>
+                                  <m:t>h</m:t>
+                                </m:r>
+                              </m:num>
+                              <m:den>
+                                <m:sSup>
+                                  <m:sSupPr>
+                                    <m:ctrlPr>
+                                      <a:rPr lang="en-US" i="1">
+                                        <a:latin typeface="Cambria Math" panose="02040503050406030204" pitchFamily="18" charset="0"/>
+                                      </a:rPr>
+                                    </m:ctrlPr>
+                                  </m:sSupPr>
+                                  <m:e>
+                                    <m:r>
+                                      <a:rPr lang="en-US" i="1">
+                                        <a:latin typeface="Cambria Math" panose="02040503050406030204" pitchFamily="18" charset="0"/>
+                                      </a:rPr>
+                                      <m:t>2</m:t>
+                                    </m:r>
+                                  </m:e>
+                                  <m:sup>
+                                    <m:r>
+                                      <a:rPr lang="en-US" i="1">
+                                        <a:latin typeface="Cambria Math" panose="02040503050406030204" pitchFamily="18" charset="0"/>
+                                      </a:rPr>
+                                      <m:t>h</m:t>
+                                    </m:r>
+                                  </m:sup>
+                                </m:sSup>
+                              </m:den>
+                            </m:f>
+                          </m:e>
+                        </m:nary>
+                      </m:e>
+                    </m:d>
+                    <m:r>
+                      <a:rPr lang="en-US" b="0" i="1" smtClean="0">
+                        <a:solidFill>
+                          <a:schemeClr val="tx1"/>
+                        </a:solidFill>
+                        <a:latin typeface="Cambria Math" panose="02040503050406030204" pitchFamily="18" charset="0"/>
+                      </a:rPr>
+                      <m:t>=</m:t>
+                    </m:r>
+                    <m:r>
+                      <a:rPr lang="en-US" b="0" i="1" smtClean="0">
+                        <a:solidFill>
+                          <a:schemeClr val="tx1"/>
+                        </a:solidFill>
+                        <a:latin typeface="Cambria Math" panose="02040503050406030204" pitchFamily="18" charset="0"/>
+                      </a:rPr>
+                      <m:t>𝑂</m:t>
+                    </m:r>
+                    <m:r>
+                      <a:rPr lang="en-US" b="0" i="1" smtClean="0">
+                        <a:solidFill>
+                          <a:schemeClr val="tx1"/>
+                        </a:solidFill>
+                        <a:latin typeface="Cambria Math" panose="02040503050406030204" pitchFamily="18" charset="0"/>
+                      </a:rPr>
+                      <m:t>(</m:t>
+                    </m:r>
+                    <m:r>
+                      <a:rPr lang="en-US" b="0" i="1" smtClean="0">
+                        <a:solidFill>
+                          <a:schemeClr val="tx1"/>
+                        </a:solidFill>
+                        <a:latin typeface="Cambria Math" panose="02040503050406030204" pitchFamily="18" charset="0"/>
+                      </a:rPr>
+                      <m:t>𝑛</m:t>
+                    </m:r>
+                    <m:nary>
+                      <m:naryPr>
+                        <m:chr m:val="∑"/>
+                        <m:ctrlPr>
+                          <a:rPr lang="en-US" b="0" i="1" smtClean="0">
+                            <a:solidFill>
+                              <a:schemeClr val="tx1"/>
+                            </a:solidFill>
+                            <a:latin typeface="Cambria Math" panose="02040503050406030204" pitchFamily="18" charset="0"/>
+                          </a:rPr>
+                        </m:ctrlPr>
+                      </m:naryPr>
+                      <m:sub>
+                        <m:r>
+                          <m:rPr>
+                            <m:brk m:alnAt="23"/>
+                          </m:rPr>
+                          <a:rPr lang="en-US" b="0" i="1" smtClean="0">
+                            <a:solidFill>
+                              <a:schemeClr val="tx1"/>
+                            </a:solidFill>
+                            <a:latin typeface="Cambria Math" panose="02040503050406030204" pitchFamily="18" charset="0"/>
+                          </a:rPr>
+                          <m:t>𝑖</m:t>
+                        </m:r>
+                        <m:r>
+                          <a:rPr lang="en-US" b="0" i="1" smtClean="0">
+                            <a:solidFill>
+                              <a:schemeClr val="tx1"/>
+                            </a:solidFill>
+                            <a:latin typeface="Cambria Math" panose="02040503050406030204" pitchFamily="18" charset="0"/>
+                          </a:rPr>
+                          <m:t>=</m:t>
+                        </m:r>
+                        <m:r>
+                          <a:rPr lang="en-US" b="0" i="1" smtClean="0">
+                            <a:solidFill>
+                              <a:schemeClr val="tx1"/>
+                            </a:solidFill>
+                            <a:latin typeface="Cambria Math" panose="02040503050406030204" pitchFamily="18" charset="0"/>
+                          </a:rPr>
+                          <m:t>0</m:t>
+                        </m:r>
+                      </m:sub>
+                      <m:sup>
+                        <m:d>
+                          <m:dPr>
+                            <m:begChr m:val="⌊"/>
+                            <m:endChr m:val="⌋"/>
+                            <m:ctrlPr>
+                              <a:rPr lang="en-US" i="1">
+                                <a:solidFill>
+                                  <a:schemeClr val="tx1"/>
+                                </a:solidFill>
+                                <a:latin typeface="Cambria Math" panose="02040503050406030204" pitchFamily="18" charset="0"/>
+                              </a:rPr>
+                            </m:ctrlPr>
+                          </m:dPr>
+                          <m:e>
+                            <m:func>
+                              <m:funcPr>
+                                <m:ctrlPr>
+                                  <a:rPr lang="en-US" i="1">
+                                    <a:solidFill>
+                                      <a:schemeClr val="tx1"/>
+                                    </a:solidFill>
+                                    <a:latin typeface="Cambria Math" panose="02040503050406030204" pitchFamily="18" charset="0"/>
+                                  </a:rPr>
+                                </m:ctrlPr>
+                              </m:funcPr>
+                              <m:fName>
+                                <m:sSub>
+                                  <m:sSubPr>
+                                    <m:ctrlPr>
+                                      <a:rPr lang="en-US" i="1">
+                                        <a:solidFill>
+                                          <a:schemeClr val="tx1"/>
+                                        </a:solidFill>
+                                        <a:latin typeface="Cambria Math" panose="02040503050406030204" pitchFamily="18" charset="0"/>
+                                      </a:rPr>
+                                    </m:ctrlPr>
+                                  </m:sSubPr>
+                                  <m:e>
+                                    <m:r>
+                                      <m:rPr>
+                                        <m:sty m:val="p"/>
+                                      </m:rPr>
+                                      <a:rPr lang="en-US">
+                                        <a:solidFill>
+                                          <a:schemeClr val="tx1"/>
+                                        </a:solidFill>
+                                        <a:latin typeface="Cambria Math" panose="02040503050406030204" pitchFamily="18" charset="0"/>
+                                      </a:rPr>
+                                      <m:t>log</m:t>
+                                    </m:r>
+                                  </m:e>
+                                  <m:sub>
+                                    <m:r>
+                                      <a:rPr lang="en-US" i="1">
+                                        <a:solidFill>
+                                          <a:schemeClr val="tx1"/>
+                                        </a:solidFill>
+                                        <a:latin typeface="Cambria Math" panose="02040503050406030204" pitchFamily="18" charset="0"/>
+                                      </a:rPr>
+                                      <m:t>2</m:t>
+                                    </m:r>
+                                  </m:sub>
+                                </m:sSub>
+                              </m:fName>
+                              <m:e>
+                                <m:r>
+                                  <a:rPr lang="en-US" i="1">
+                                    <a:solidFill>
+                                      <a:schemeClr val="tx1"/>
+                                    </a:solidFill>
+                                    <a:latin typeface="Cambria Math" panose="02040503050406030204" pitchFamily="18" charset="0"/>
+                                  </a:rPr>
+                                  <m:t>𝑛</m:t>
+                                </m:r>
+                              </m:e>
+                            </m:func>
+                          </m:e>
+                        </m:d>
+                      </m:sup>
+                      <m:e>
+                        <m:f>
+                          <m:fPr>
+                            <m:ctrlPr>
+                              <a:rPr lang="en-US" b="0" i="1" smtClean="0">
+                                <a:solidFill>
+                                  <a:schemeClr val="tx1"/>
+                                </a:solidFill>
+                                <a:latin typeface="Cambria Math" panose="02040503050406030204" pitchFamily="18" charset="0"/>
+                              </a:rPr>
+                            </m:ctrlPr>
+                          </m:fPr>
+                          <m:num>
+                            <m:r>
+                              <a:rPr lang="en-US" b="0" i="1" smtClean="0">
+                                <a:solidFill>
+                                  <a:schemeClr val="tx1"/>
+                                </a:solidFill>
+                                <a:latin typeface="Cambria Math" panose="02040503050406030204" pitchFamily="18" charset="0"/>
+                              </a:rPr>
+                              <m:t>h</m:t>
+                            </m:r>
+                          </m:num>
+                          <m:den>
+                            <m:sSup>
+                              <m:sSupPr>
+                                <m:ctrlPr>
+                                  <a:rPr lang="en-US" b="0" i="1" smtClean="0">
+                                    <a:solidFill>
+                                      <a:schemeClr val="tx1"/>
+                                    </a:solidFill>
+                                    <a:latin typeface="Cambria Math" panose="02040503050406030204" pitchFamily="18" charset="0"/>
+                                  </a:rPr>
+                                </m:ctrlPr>
+                              </m:sSupPr>
+                              <m:e>
+                                <m:r>
+                                  <a:rPr lang="en-US" b="0" i="1" smtClean="0">
+                                    <a:solidFill>
+                                      <a:schemeClr val="tx1"/>
+                                    </a:solidFill>
+                                    <a:latin typeface="Cambria Math" panose="02040503050406030204" pitchFamily="18" charset="0"/>
+                                  </a:rPr>
+                                  <m:t>2</m:t>
+                                </m:r>
+                              </m:e>
+                              <m:sup>
+                                <m:r>
+                                  <a:rPr lang="en-US" b="0" i="1" smtClean="0">
+                                    <a:solidFill>
+                                      <a:schemeClr val="tx1"/>
+                                    </a:solidFill>
+                                    <a:latin typeface="Cambria Math" panose="02040503050406030204" pitchFamily="18" charset="0"/>
+                                  </a:rPr>
+                                  <m:t>h</m:t>
+                                </m:r>
+                              </m:sup>
+                            </m:sSup>
+                          </m:den>
+                        </m:f>
+                      </m:e>
+                    </m:nary>
+                    <m:r>
+                      <a:rPr lang="en-US" b="0" i="1" smtClean="0">
+                        <a:solidFill>
+                          <a:schemeClr val="tx1"/>
+                        </a:solidFill>
+                        <a:latin typeface="Cambria Math" panose="02040503050406030204" pitchFamily="18" charset="0"/>
+                      </a:rPr>
+                      <m:t>)</m:t>
+                    </m:r>
+                  </m:oMath>
+                </a14:m>
+                <a:endParaRPr lang="en-US" dirty="0">
+                  <a:solidFill>
+                    <a:schemeClr val="tx1"/>
+                  </a:solidFill>
+                </a:endParaRPr>
+              </a:p>
+            </p:txBody>
+          </p:sp>
+        </mc:Choice>
+        <mc:Fallback xmlns="">
+          <p:sp>
+            <p:nvSpPr>
+              <p:cNvPr id="3" name="Content Placeholder 2">
+                <a:extLst>
+                  <a:ext uri="{FF2B5EF4-FFF2-40B4-BE49-F238E27FC236}">
+                    <a16:creationId xmlns:a16="http://schemas.microsoft.com/office/drawing/2014/main" id="{A4133BFA-3401-4B6D-B68E-5B9CC821C26F}"/>
+                  </a:ext>
+                </a:extLst>
+              </p:cNvPr>
+              <p:cNvSpPr>
+                <a:spLocks noGrp="1" noRot="1" noChangeAspect="1" noMove="1" noResize="1" noEditPoints="1" noAdjustHandles="1" noChangeArrowheads="1" noChangeShapeType="1" noTextEdit="1"/>
+              </p:cNvSpPr>
+              <p:nvPr>
+                <p:ph idx="1"/>
+              </p:nvPr>
+            </p:nvSpPr>
+            <p:spPr>
+              <a:blipFill>
+                <a:blip r:embed="rId2"/>
+                <a:stretch>
+                  <a:fillRect l="-1217"/>
+                </a:stretch>
+              </a:blipFill>
+            </p:spPr>
+            <p:txBody>
+              <a:bodyPr/>
+              <a:lstStyle/>
+              <a:p>
+                <a:r>
+                  <a:rPr lang="en-US">
+                    <a:noFill/>
+                  </a:rPr>
+                  <a:t> </a:t>
+                </a:r>
+              </a:p>
+            </p:txBody>
+          </p:sp>
+        </mc:Fallback>
+      </mc:AlternateContent>
+    </p:spTree>
+    <p:extLst>
+      <p:ext uri="{BB962C8B-B14F-4D97-AF65-F5344CB8AC3E}">
+        <p14:creationId xmlns:p14="http://schemas.microsoft.com/office/powerpoint/2010/main" val="3159102947"/>
+      </p:ext>
+    </p:extLst>
+  </p:cSld>
+  <p:clrMapOvr>
+    <a:masterClrMapping/>
+  </p:clrMapOvr>
+</p:sld>
+</file>
+
+<file path=ppt/slides/slide3.xml><?xml version="1.0" encoding="utf-8"?>
+<p:sld xmlns:a="http://schemas.openxmlformats.org/drawingml/2006/main" xmlns:r="http://schemas.openxmlformats.org/officeDocument/2006/relationships" xmlns:p="http://schemas.openxmlformats.org/presentationml/2006/main">
+  <p:cSld>
+    <p:spTree>
+      <p:nvGrpSpPr>
+        <p:cNvPr id="1" name=""/>
+        <p:cNvGrpSpPr/>
+        <p:nvPr/>
+      </p:nvGrpSpPr>
+      <p:grpSpPr>
+        <a:xfrm>
+          <a:off x="0" y="0"/>
+          <a:ext cx="0" cy="0"/>
+          <a:chOff x="0" y="0"/>
+          <a:chExt cx="0" cy="0"/>
+        </a:xfrm>
+      </p:grpSpPr>
+      <p:sp>
+        <p:nvSpPr>
+          <p:cNvPr id="2" name="Title 1"/>
+          <p:cNvSpPr>
+            <a:spLocks noGrp="1"/>
+          </p:cNvSpPr>
+          <p:nvPr>
+            <p:ph type="title"/>
+          </p:nvPr>
+        </p:nvSpPr>
+        <p:spPr/>
+        <p:txBody>
+          <a:bodyPr/>
+          <a:lstStyle/>
+          <a:p>
+            <a:r>
+              <a:rPr lang="en-US" dirty="0">
+                <a:solidFill>
+                  <a:schemeClr val="accent1"/>
+                </a:solidFill>
+              </a:rPr>
+              <a:t>Stack</a:t>
+            </a:r>
+          </a:p>
+        </p:txBody>
+      </p:sp>
+      <mc:AlternateContent xmlns:mc="http://schemas.openxmlformats.org/markup-compatibility/2006" xmlns:a14="http://schemas.microsoft.com/office/drawing/2010/main">
+        <mc:Choice Requires="a14">
+          <p:sp>
+            <p:nvSpPr>
+              <p:cNvPr id="3" name="Content Placeholder 2"/>
+              <p:cNvSpPr>
+                <a:spLocks noGrp="1"/>
+              </p:cNvSpPr>
+              <p:nvPr>
+                <p:ph idx="1"/>
+              </p:nvPr>
+            </p:nvSpPr>
+            <p:spPr/>
+            <p:txBody>
+              <a:bodyPr>
+                <a:normAutofit/>
+              </a:bodyPr>
+              <a:lstStyle/>
+              <a:p>
+                <a:pPr marL="0" indent="0">
+                  <a:buNone/>
+                </a:pPr>
+                <a:r>
+                  <a:rPr lang="en-US" dirty="0">
+                    <a:solidFill>
+                      <a:schemeClr val="accent1"/>
+                    </a:solidFill>
+                  </a:rPr>
+                  <a:t>A stack </a:t>
+                </a:r>
+                <a14:m>
+                  <m:oMath xmlns:m="http://schemas.openxmlformats.org/officeDocument/2006/math">
+                    <m:r>
+                      <a:rPr lang="en-US" b="0" i="1" smtClean="0">
+                        <a:solidFill>
+                          <a:schemeClr val="tx1"/>
+                        </a:solidFill>
+                        <a:latin typeface="Cambria Math" panose="02040503050406030204" pitchFamily="18" charset="0"/>
+                      </a:rPr>
+                      <m:t>𝑆</m:t>
+                    </m:r>
+                  </m:oMath>
+                </a14:m>
+                <a:r>
+                  <a:rPr lang="en-US" dirty="0">
+                    <a:solidFill>
+                      <a:schemeClr val="accent1"/>
+                    </a:solidFill>
+                  </a:rPr>
+                  <a:t> consists of elements </a:t>
+                </a:r>
+                <a14:m>
+                  <m:oMath xmlns:m="http://schemas.openxmlformats.org/officeDocument/2006/math">
+                    <m:r>
+                      <a:rPr lang="en-US" b="0" i="1" smtClean="0">
+                        <a:solidFill>
+                          <a:schemeClr val="tx1"/>
+                        </a:solidFill>
+                        <a:latin typeface="Cambria Math" panose="02040503050406030204" pitchFamily="18" charset="0"/>
+                      </a:rPr>
+                      <m:t>𝑆</m:t>
+                    </m:r>
+                    <m:d>
+                      <m:dPr>
+                        <m:begChr m:val="["/>
+                        <m:endChr m:val="]"/>
+                        <m:ctrlPr>
+                          <a:rPr lang="en-US" b="0" i="1" smtClean="0">
+                            <a:solidFill>
+                              <a:schemeClr val="tx1"/>
+                            </a:solidFill>
+                            <a:latin typeface="Cambria Math" panose="02040503050406030204" pitchFamily="18" charset="0"/>
+                          </a:rPr>
+                        </m:ctrlPr>
+                      </m:dPr>
+                      <m:e>
+                        <m:r>
+                          <a:rPr lang="en-US" b="0" i="1" smtClean="0">
+                            <a:solidFill>
+                              <a:schemeClr val="tx1"/>
+                            </a:solidFill>
+                            <a:latin typeface="Cambria Math" panose="02040503050406030204" pitchFamily="18" charset="0"/>
+                          </a:rPr>
+                          <m:t>1…</m:t>
+                        </m:r>
+                        <m:r>
+                          <a:rPr lang="en-US" b="0" i="1" smtClean="0">
+                            <a:solidFill>
+                              <a:schemeClr val="tx1"/>
+                            </a:solidFill>
+                            <a:latin typeface="Cambria Math" panose="02040503050406030204" pitchFamily="18" charset="0"/>
+                          </a:rPr>
+                          <m:t>𝑆</m:t>
+                        </m:r>
+                        <m:r>
+                          <a:rPr lang="en-US" b="0" i="1" smtClean="0">
+                            <a:solidFill>
+                              <a:schemeClr val="tx1"/>
+                            </a:solidFill>
+                            <a:latin typeface="Cambria Math" panose="02040503050406030204" pitchFamily="18" charset="0"/>
+                          </a:rPr>
+                          <m:t>.</m:t>
+                        </m:r>
+                        <m:r>
+                          <a:rPr lang="en-US" b="0" i="1" smtClean="0">
+                            <a:solidFill>
+                              <a:schemeClr val="tx1"/>
+                            </a:solidFill>
+                            <a:latin typeface="Cambria Math" panose="02040503050406030204" pitchFamily="18" charset="0"/>
+                          </a:rPr>
+                          <m:t>𝑡𝑜𝑝</m:t>
+                        </m:r>
+                      </m:e>
+                    </m:d>
+                  </m:oMath>
+                </a14:m>
+                <a:endParaRPr lang="en-US" dirty="0">
+                  <a:solidFill>
+                    <a:schemeClr val="accent1"/>
+                  </a:solidFill>
+                </a:endParaRPr>
+              </a:p>
+              <a:p>
+                <a14:m>
+                  <m:oMath xmlns:m="http://schemas.openxmlformats.org/officeDocument/2006/math">
+                    <m:r>
+                      <a:rPr lang="en-US" i="1">
+                        <a:latin typeface="Cambria Math" panose="02040503050406030204" pitchFamily="18" charset="0"/>
+                      </a:rPr>
+                      <m:t>𝑆</m:t>
+                    </m:r>
+                    <m:r>
+                      <a:rPr lang="en-US" i="1">
+                        <a:latin typeface="Cambria Math" panose="02040503050406030204" pitchFamily="18" charset="0"/>
+                      </a:rPr>
+                      <m:t>.</m:t>
+                    </m:r>
+                    <m:r>
+                      <a:rPr lang="en-US" i="1">
+                        <a:latin typeface="Cambria Math" panose="02040503050406030204" pitchFamily="18" charset="0"/>
+                      </a:rPr>
+                      <m:t>𝑡𝑜𝑝</m:t>
+                    </m:r>
+                  </m:oMath>
+                </a14:m>
+                <a:r>
+                  <a:rPr lang="en-US" dirty="0">
+                    <a:solidFill>
+                      <a:schemeClr val="tx1"/>
+                    </a:solidFill>
+                  </a:rPr>
+                  <a:t> </a:t>
+                </a:r>
+                <a:r>
+                  <a:rPr lang="en-US" dirty="0">
+                    <a:solidFill>
+                      <a:schemeClr val="accent1"/>
+                    </a:solidFill>
+                  </a:rPr>
+                  <a:t>points to the </a:t>
+                </a:r>
+                <a:r>
+                  <a:rPr lang="en-US" b="1" i="1" dirty="0">
+                    <a:solidFill>
+                      <a:srgbClr val="FF0000"/>
+                    </a:solidFill>
+                  </a:rPr>
+                  <a:t>most recently</a:t>
+                </a:r>
+                <a:r>
+                  <a:rPr lang="en-US" dirty="0">
+                    <a:solidFill>
+                      <a:schemeClr val="accent1"/>
+                    </a:solidFill>
+                  </a:rPr>
+                  <a:t> inserted element </a:t>
+                </a:r>
+              </a:p>
+              <a:p>
+                <a14:m>
+                  <m:oMath xmlns:m="http://schemas.openxmlformats.org/officeDocument/2006/math">
+                    <m:r>
+                      <a:rPr lang="en-US" b="0" i="1" smtClean="0">
+                        <a:solidFill>
+                          <a:schemeClr val="tx1"/>
+                        </a:solidFill>
+                        <a:latin typeface="Cambria Math" panose="02040503050406030204" pitchFamily="18" charset="0"/>
+                      </a:rPr>
+                      <m:t>𝑆</m:t>
+                    </m:r>
+                    <m:r>
+                      <a:rPr lang="en-US" b="0" i="1" smtClean="0">
+                        <a:solidFill>
+                          <a:schemeClr val="tx1"/>
+                        </a:solidFill>
+                        <a:latin typeface="Cambria Math" panose="02040503050406030204" pitchFamily="18" charset="0"/>
+                      </a:rPr>
+                      <m:t>[1]</m:t>
+                    </m:r>
+                  </m:oMath>
+                </a14:m>
+                <a:r>
+                  <a:rPr lang="en-US" dirty="0">
+                    <a:solidFill>
+                      <a:schemeClr val="accent1"/>
+                    </a:solidFill>
+                  </a:rPr>
+                  <a:t> points to the element at the bottom of the stack, i.e., the </a:t>
+                </a:r>
+                <a:r>
+                  <a:rPr lang="en-US" b="1" i="1" dirty="0">
+                    <a:solidFill>
+                      <a:srgbClr val="FF0000"/>
+                    </a:solidFill>
+                  </a:rPr>
+                  <a:t>oldest</a:t>
+                </a:r>
+                <a:r>
+                  <a:rPr lang="en-US" dirty="0">
+                    <a:solidFill>
+                      <a:schemeClr val="accent1"/>
+                    </a:solidFill>
+                  </a:rPr>
+                  <a:t> element</a:t>
+                </a:r>
+              </a:p>
+              <a:p>
+                <a:endParaRPr lang="en-US" dirty="0">
+                  <a:solidFill>
+                    <a:schemeClr val="accent1"/>
+                  </a:solidFill>
+                </a:endParaRPr>
+              </a:p>
+              <a:p>
+                <a:r>
+                  <a:rPr lang="en-US" dirty="0">
+                    <a:solidFill>
+                      <a:schemeClr val="accent1"/>
+                    </a:solidFill>
+                  </a:rPr>
+                  <a:t>A stack exhibits </a:t>
+                </a:r>
+                <a:r>
+                  <a:rPr lang="en-US" b="1" i="1" dirty="0">
+                    <a:solidFill>
+                      <a:srgbClr val="FF0000"/>
+                    </a:solidFill>
+                  </a:rPr>
+                  <a:t>LIFO </a:t>
+                </a:r>
+                <a:r>
+                  <a:rPr lang="en-US" dirty="0">
+                    <a:solidFill>
+                      <a:schemeClr val="accent1"/>
+                    </a:solidFill>
+                  </a:rPr>
+                  <a:t>behavior.</a:t>
+                </a:r>
+              </a:p>
+              <a:p>
+                <a:pPr lvl="1"/>
+                <a:r>
+                  <a:rPr lang="en-US" dirty="0">
+                    <a:solidFill>
+                      <a:schemeClr val="accent1"/>
+                    </a:solidFill>
+                  </a:rPr>
+                  <a:t>A new item is added to the top of the stack</a:t>
+                </a:r>
+              </a:p>
+              <a:p>
+                <a:pPr lvl="1"/>
+                <a:r>
+                  <a:rPr lang="en-US" dirty="0">
+                    <a:solidFill>
+                      <a:schemeClr val="accent1"/>
+                    </a:solidFill>
+                  </a:rPr>
+                  <a:t>Only the most recently item </a:t>
+                </a:r>
+                <a14:m>
+                  <m:oMath xmlns:m="http://schemas.openxmlformats.org/officeDocument/2006/math">
+                    <m:r>
+                      <m:rPr>
+                        <m:sty m:val="p"/>
+                      </m:rPr>
+                      <a:rPr lang="en-US" b="0" i="0" smtClean="0">
+                        <a:latin typeface="Cambria Math" panose="02040503050406030204" pitchFamily="18" charset="0"/>
+                      </a:rPr>
+                      <m:t>S</m:t>
+                    </m:r>
+                    <m:r>
+                      <a:rPr lang="en-US" b="0" i="0" smtClean="0">
+                        <a:latin typeface="Cambria Math" panose="02040503050406030204" pitchFamily="18" charset="0"/>
+                      </a:rPr>
+                      <m:t>[</m:t>
+                    </m:r>
+                    <m:r>
+                      <a:rPr lang="en-US" b="0" i="1" smtClean="0">
+                        <a:latin typeface="Cambria Math" panose="02040503050406030204" pitchFamily="18" charset="0"/>
+                      </a:rPr>
+                      <m:t>𝑆</m:t>
+                    </m:r>
+                    <m:r>
+                      <a:rPr lang="en-US" b="0" i="1" smtClean="0">
+                        <a:latin typeface="Cambria Math" panose="02040503050406030204" pitchFamily="18" charset="0"/>
+                      </a:rPr>
+                      <m:t>.</m:t>
+                    </m:r>
+                    <m:r>
+                      <a:rPr lang="en-US" i="1">
+                        <a:latin typeface="Cambria Math" panose="02040503050406030204" pitchFamily="18" charset="0"/>
+                      </a:rPr>
+                      <m:t>𝑡𝑜𝑝</m:t>
+                    </m:r>
+                    <m:r>
+                      <a:rPr lang="en-US" b="0" i="1" smtClean="0">
+                        <a:latin typeface="Cambria Math" panose="02040503050406030204" pitchFamily="18" charset="0"/>
+                      </a:rPr>
+                      <m:t>]</m:t>
+                    </m:r>
+                    <m:r>
+                      <a:rPr lang="en-US" i="1">
+                        <a:latin typeface="Cambria Math" panose="02040503050406030204" pitchFamily="18" charset="0"/>
+                      </a:rPr>
+                      <m:t> </m:t>
+                    </m:r>
+                  </m:oMath>
+                </a14:m>
+                <a:r>
+                  <a:rPr lang="en-US" dirty="0">
+                    <a:solidFill>
+                      <a:schemeClr val="accent1"/>
+                    </a:solidFill>
+                  </a:rPr>
+                  <a:t>can be deleted or popped off the stack</a:t>
+                </a:r>
+              </a:p>
+              <a:p>
+                <a:pPr marL="0" indent="0">
+                  <a:buNone/>
+                </a:pPr>
+                <a:endParaRPr lang="en-US" dirty="0">
+                  <a:solidFill>
+                    <a:schemeClr val="accent1"/>
+                  </a:solidFill>
+                </a:endParaRPr>
+              </a:p>
+              <a:p>
+                <a:pPr marL="457200" lvl="1" indent="0">
+                  <a:buNone/>
+                </a:pPr>
+                <a:endParaRPr lang="en-US" dirty="0">
+                  <a:solidFill>
+                    <a:schemeClr val="accent1"/>
+                  </a:solidFill>
+                </a:endParaRPr>
+              </a:p>
+            </p:txBody>
+          </p:sp>
+        </mc:Choice>
+        <mc:Fallback xmlns="">
+          <p:sp>
+            <p:nvSpPr>
+              <p:cNvPr id="3" name="Content Placeholder 2"/>
+              <p:cNvSpPr>
+                <a:spLocks noGrp="1" noRot="1" noChangeAspect="1" noMove="1" noResize="1" noEditPoints="1" noAdjustHandles="1" noChangeArrowheads="1" noChangeShapeType="1" noTextEdit="1"/>
+              </p:cNvSpPr>
+              <p:nvPr>
+                <p:ph idx="1"/>
+              </p:nvPr>
+            </p:nvSpPr>
+            <p:spPr>
+              <a:blipFill>
+                <a:blip r:embed="rId2"/>
+                <a:stretch>
+                  <a:fillRect l="-1217" t="-2241"/>
+                </a:stretch>
+              </a:blipFill>
+            </p:spPr>
+            <p:txBody>
+              <a:bodyPr/>
+              <a:lstStyle/>
+              <a:p>
+                <a:r>
+                  <a:rPr lang="en-US">
+                    <a:noFill/>
+                  </a:rPr>
+                  <a:t> </a:t>
+                </a:r>
+              </a:p>
+            </p:txBody>
+          </p:sp>
+        </mc:Fallback>
+      </mc:AlternateContent>
+    </p:spTree>
+    <p:extLst>
+      <p:ext uri="{BB962C8B-B14F-4D97-AF65-F5344CB8AC3E}">
+        <p14:creationId xmlns:p14="http://schemas.microsoft.com/office/powerpoint/2010/main" val="1066825652"/>
+      </p:ext>
+    </p:extLst>
+  </p:cSld>
+  <p:clrMapOvr>
+    <a:masterClrMapping/>
+  </p:clrMapOvr>
+</p:sld>
+</file>
+
+<file path=ppt/slides/slide30.xml><?xml version="1.0" encoding="utf-8"?>
+<p:sld xmlns:a="http://schemas.openxmlformats.org/drawingml/2006/main" xmlns:r="http://schemas.openxmlformats.org/officeDocument/2006/relationships" xmlns:p="http://schemas.openxmlformats.org/presentationml/2006/main">
+  <p:cSld>
+    <p:spTree>
+      <p:nvGrpSpPr>
+        <p:cNvPr id="1" name=""/>
+        <p:cNvGrpSpPr/>
+        <p:nvPr/>
+      </p:nvGrpSpPr>
+      <p:grpSpPr>
+        <a:xfrm>
+          <a:off x="0" y="0"/>
+          <a:ext cx="0" cy="0"/>
+          <a:chOff x="0" y="0"/>
+          <a:chExt cx="0" cy="0"/>
+        </a:xfrm>
+      </p:grpSpPr>
+      <p:sp>
+        <p:nvSpPr>
+          <p:cNvPr id="2" name="Title 1">
+            <a:extLst>
+              <a:ext uri="{FF2B5EF4-FFF2-40B4-BE49-F238E27FC236}">
+                <a16:creationId xmlns:a16="http://schemas.microsoft.com/office/drawing/2014/main" id="{F8CA2D13-6CCB-46E4-AD89-0C076D6F6C8E}"/>
+              </a:ext>
+            </a:extLst>
+          </p:cNvPr>
+          <p:cNvSpPr>
+            <a:spLocks noGrp="1"/>
+          </p:cNvSpPr>
+          <p:nvPr>
+            <p:ph type="title"/>
+          </p:nvPr>
+        </p:nvSpPr>
+        <p:spPr/>
+        <p:txBody>
+          <a:bodyPr/>
+          <a:lstStyle/>
+          <a:p>
+            <a:r>
+              <a:rPr lang="en-US" dirty="0">
+                <a:solidFill>
+                  <a:schemeClr val="accent1"/>
+                </a:solidFill>
+              </a:rPr>
+              <a:t>Time Complexity of Build-Max-Heap</a:t>
+            </a:r>
+          </a:p>
+        </p:txBody>
+      </p:sp>
+      <mc:AlternateContent xmlns:mc="http://schemas.openxmlformats.org/markup-compatibility/2006" xmlns:a14="http://schemas.microsoft.com/office/drawing/2010/main">
+        <mc:Choice Requires="a14">
+          <p:sp>
+            <p:nvSpPr>
+              <p:cNvPr id="3" name="Content Placeholder 2">
+                <a:extLst>
+                  <a:ext uri="{FF2B5EF4-FFF2-40B4-BE49-F238E27FC236}">
+                    <a16:creationId xmlns:a16="http://schemas.microsoft.com/office/drawing/2014/main" id="{A4133BFA-3401-4B6D-B68E-5B9CC821C26F}"/>
+                  </a:ext>
+                </a:extLst>
+              </p:cNvPr>
+              <p:cNvSpPr>
+                <a:spLocks noGrp="1"/>
+              </p:cNvSpPr>
+              <p:nvPr>
+                <p:ph idx="1"/>
+              </p:nvPr>
+            </p:nvSpPr>
+            <p:spPr/>
+            <p:txBody>
+              <a:bodyPr>
+                <a:normAutofit/>
+              </a:bodyPr>
+              <a:lstStyle/>
+              <a:p>
+                <a:pPr marL="0" indent="0">
+                  <a:buNone/>
+                </a:pPr>
+                <a:r>
+                  <a:rPr lang="en-US" b="1" i="1" u="sng" dirty="0">
+                    <a:solidFill>
+                      <a:srgbClr val="FF0000"/>
+                    </a:solidFill>
+                  </a:rPr>
+                  <a:t>Observation:</a:t>
+                </a:r>
+                <a:r>
+                  <a:rPr lang="en-US" dirty="0">
+                    <a:solidFill>
+                      <a:schemeClr val="tx1"/>
+                    </a:solidFill>
+                  </a:rPr>
+                  <a:t>    </a:t>
+                </a:r>
+              </a:p>
+              <a:p>
+                <a:pPr marL="0" indent="0">
+                  <a:buNone/>
+                </a:pPr>
+                <a:r>
+                  <a:rPr lang="en-US" dirty="0"/>
+                  <a:t>				</a:t>
+                </a:r>
+                <a14:m>
+                  <m:oMath xmlns:m="http://schemas.openxmlformats.org/officeDocument/2006/math">
+                    <m:nary>
+                      <m:naryPr>
+                        <m:chr m:val="∑"/>
+                        <m:ctrlPr>
+                          <a:rPr lang="en-US" i="1" smtClean="0">
+                            <a:solidFill>
+                              <a:schemeClr val="tx1"/>
+                            </a:solidFill>
+                            <a:latin typeface="Cambria Math" panose="02040503050406030204" pitchFamily="18" charset="0"/>
+                          </a:rPr>
+                        </m:ctrlPr>
+                      </m:naryPr>
+                      <m:sub>
+                        <m:r>
+                          <m:rPr>
+                            <m:brk m:alnAt="23"/>
+                          </m:rPr>
+                          <a:rPr lang="en-US" b="0" i="1" smtClean="0">
+                            <a:solidFill>
+                              <a:schemeClr val="tx1"/>
+                            </a:solidFill>
+                            <a:latin typeface="Cambria Math" panose="02040503050406030204" pitchFamily="18" charset="0"/>
+                          </a:rPr>
+                          <m:t>h</m:t>
+                        </m:r>
+                        <m:r>
+                          <a:rPr lang="en-US" b="0" i="1" smtClean="0">
+                            <a:solidFill>
+                              <a:schemeClr val="tx1"/>
+                            </a:solidFill>
+                            <a:latin typeface="Cambria Math" panose="02040503050406030204" pitchFamily="18" charset="0"/>
+                          </a:rPr>
+                          <m:t>=0</m:t>
+                        </m:r>
+                      </m:sub>
+                      <m:sup>
+                        <m:r>
+                          <a:rPr lang="en-US" i="1" smtClean="0">
+                            <a:solidFill>
+                              <a:schemeClr val="tx1"/>
+                            </a:solidFill>
+                            <a:latin typeface="Cambria Math" panose="02040503050406030204" pitchFamily="18" charset="0"/>
+                            <a:ea typeface="Cambria Math" panose="02040503050406030204" pitchFamily="18" charset="0"/>
+                          </a:rPr>
+                          <m:t>∞</m:t>
+                        </m:r>
+                      </m:sup>
+                      <m:e>
+                        <m:box>
+                          <m:boxPr>
+                            <m:ctrlPr>
+                              <a:rPr lang="en-US" i="1" smtClean="0">
+                                <a:solidFill>
+                                  <a:schemeClr val="tx1"/>
+                                </a:solidFill>
+                                <a:latin typeface="Cambria Math" panose="02040503050406030204" pitchFamily="18" charset="0"/>
+                              </a:rPr>
+                            </m:ctrlPr>
+                          </m:boxPr>
+                          <m:e>
+                            <m:argPr>
+                              <m:argSz m:val="-1"/>
+                            </m:argPr>
+                            <m:f>
+                              <m:fPr>
+                                <m:ctrlPr>
+                                  <a:rPr lang="en-US" i="1" smtClean="0">
+                                    <a:solidFill>
+                                      <a:schemeClr val="tx1"/>
+                                    </a:solidFill>
+                                    <a:latin typeface="Cambria Math" panose="02040503050406030204" pitchFamily="18" charset="0"/>
+                                  </a:rPr>
+                                </m:ctrlPr>
+                              </m:fPr>
+                              <m:num>
+                                <m:r>
+                                  <a:rPr lang="en-US" b="0" i="1" smtClean="0">
+                                    <a:solidFill>
+                                      <a:schemeClr val="tx1"/>
+                                    </a:solidFill>
+                                    <a:latin typeface="Cambria Math" panose="02040503050406030204" pitchFamily="18" charset="0"/>
+                                  </a:rPr>
+                                  <m:t>h</m:t>
+                                </m:r>
+                              </m:num>
+                              <m:den>
+                                <m:sSup>
+                                  <m:sSupPr>
+                                    <m:ctrlPr>
+                                      <a:rPr lang="en-US" i="1" smtClean="0">
+                                        <a:solidFill>
+                                          <a:schemeClr val="tx1"/>
+                                        </a:solidFill>
+                                        <a:latin typeface="Cambria Math" panose="02040503050406030204" pitchFamily="18" charset="0"/>
+                                      </a:rPr>
+                                    </m:ctrlPr>
+                                  </m:sSupPr>
+                                  <m:e>
+                                    <m:r>
+                                      <a:rPr lang="en-US" b="0" i="1" smtClean="0">
+                                        <a:solidFill>
+                                          <a:schemeClr val="tx1"/>
+                                        </a:solidFill>
+                                        <a:latin typeface="Cambria Math" panose="02040503050406030204" pitchFamily="18" charset="0"/>
+                                      </a:rPr>
+                                      <m:t>2</m:t>
+                                    </m:r>
+                                  </m:e>
+                                  <m:sup>
+                                    <m:r>
+                                      <a:rPr lang="en-US" b="0" i="1" smtClean="0">
+                                        <a:solidFill>
+                                          <a:schemeClr val="tx1"/>
+                                        </a:solidFill>
+                                        <a:latin typeface="Cambria Math" panose="02040503050406030204" pitchFamily="18" charset="0"/>
+                                      </a:rPr>
+                                      <m:t>h</m:t>
+                                    </m:r>
+                                  </m:sup>
+                                </m:sSup>
+                              </m:den>
+                            </m:f>
+                          </m:e>
+                        </m:box>
+                        <m:r>
+                          <a:rPr lang="en-US" b="0" i="1" smtClean="0">
+                            <a:solidFill>
+                              <a:schemeClr val="tx1"/>
+                            </a:solidFill>
+                            <a:latin typeface="Cambria Math" panose="02040503050406030204" pitchFamily="18" charset="0"/>
+                          </a:rPr>
+                          <m:t>=2</m:t>
+                        </m:r>
+                      </m:e>
+                    </m:nary>
+                  </m:oMath>
+                </a14:m>
+                <a:r>
+                  <a:rPr lang="en-US" dirty="0">
+                    <a:solidFill>
+                      <a:schemeClr val="accent1"/>
+                    </a:solidFill>
+                  </a:rPr>
+                  <a:t>.</a:t>
+                </a:r>
+              </a:p>
+              <a:p>
+                <a:pPr marL="0" indent="0">
+                  <a:buNone/>
+                </a:pPr>
+                <a:endParaRPr lang="en-US" dirty="0">
+                  <a:solidFill>
+                    <a:schemeClr val="accent1"/>
+                  </a:solidFill>
+                </a:endParaRPr>
+              </a:p>
+              <a:p>
+                <a:pPr marL="0" indent="0">
+                  <a:buNone/>
+                </a:pPr>
+                <a:r>
+                  <a:rPr lang="en-US" dirty="0">
+                    <a:solidFill>
+                      <a:schemeClr val="accent1"/>
+                    </a:solidFill>
+                  </a:rPr>
+                  <a:t>Therefore,  </a:t>
                 </a:r>
                 <a14:m>
                   <m:oMath xmlns:m="http://schemas.openxmlformats.org/officeDocument/2006/math">
@@ -17872,1486 +19538,6 @@
                         </m:ctrlPr>
                       </m:dPr>
                       <m:e>
-                        <m:box>
-                          <m:boxPr>
-                            <m:ctrlPr>
-                              <a:rPr lang="en-US" b="0" i="1" smtClean="0">
-                                <a:solidFill>
-                                  <a:schemeClr val="tx1"/>
-                                </a:solidFill>
-                                <a:latin typeface="Cambria Math" panose="02040503050406030204" pitchFamily="18" charset="0"/>
-                              </a:rPr>
-                            </m:ctrlPr>
-                          </m:boxPr>
-                          <m:e>
-                            <m:argPr>
-                              <m:argSz m:val="-1"/>
-                            </m:argPr>
-                            <m:f>
-                              <m:fPr>
-                                <m:ctrlPr>
-                                  <a:rPr lang="en-US" b="0" i="1" smtClean="0">
-                                    <a:solidFill>
-                                      <a:schemeClr val="tx1"/>
-                                    </a:solidFill>
-                                    <a:latin typeface="Cambria Math" panose="02040503050406030204" pitchFamily="18" charset="0"/>
-                                  </a:rPr>
-                                </m:ctrlPr>
-                              </m:fPr>
-                              <m:num>
-                                <m:r>
-                                  <a:rPr lang="en-US" b="0" i="1" smtClean="0">
-                                    <a:solidFill>
-                                      <a:schemeClr val="tx1"/>
-                                    </a:solidFill>
-                                    <a:latin typeface="Cambria Math" panose="02040503050406030204" pitchFamily="18" charset="0"/>
-                                  </a:rPr>
-                                  <m:t>𝑛</m:t>
-                                </m:r>
-                              </m:num>
-                              <m:den>
-                                <m:r>
-                                  <a:rPr lang="en-US" b="0" i="1" smtClean="0">
-                                    <a:solidFill>
-                                      <a:schemeClr val="tx1"/>
-                                    </a:solidFill>
-                                    <a:latin typeface="Cambria Math" panose="02040503050406030204" pitchFamily="18" charset="0"/>
-                                  </a:rPr>
-                                  <m:t>2</m:t>
-                                </m:r>
-                              </m:den>
-                            </m:f>
-                          </m:e>
-                        </m:box>
-                        <m:nary>
-                          <m:naryPr>
-                            <m:chr m:val="∑"/>
-                            <m:ctrlPr>
-                              <a:rPr lang="en-US" i="1">
-                                <a:latin typeface="Cambria Math" panose="02040503050406030204" pitchFamily="18" charset="0"/>
-                              </a:rPr>
-                            </m:ctrlPr>
-                          </m:naryPr>
-                          <m:sub>
-                            <m:r>
-                              <m:rPr>
-                                <m:brk m:alnAt="23"/>
-                              </m:rPr>
-                              <a:rPr lang="en-US" i="1">
-                                <a:latin typeface="Cambria Math" panose="02040503050406030204" pitchFamily="18" charset="0"/>
-                              </a:rPr>
-                              <m:t>𝑖</m:t>
-                            </m:r>
-                            <m:r>
-                              <a:rPr lang="en-US" i="1">
-                                <a:latin typeface="Cambria Math" panose="02040503050406030204" pitchFamily="18" charset="0"/>
-                              </a:rPr>
-                              <m:t>=0</m:t>
-                            </m:r>
-                          </m:sub>
-                          <m:sup>
-                            <m:d>
-                              <m:dPr>
-                                <m:begChr m:val="⌊"/>
-                                <m:endChr m:val="⌋"/>
-                                <m:ctrlPr>
-                                  <a:rPr lang="en-US" i="1">
-                                    <a:latin typeface="Cambria Math" panose="02040503050406030204" pitchFamily="18" charset="0"/>
-                                  </a:rPr>
-                                </m:ctrlPr>
-                              </m:dPr>
-                              <m:e>
-                                <m:func>
-                                  <m:funcPr>
-                                    <m:ctrlPr>
-                                      <a:rPr lang="en-US" i="1">
-                                        <a:latin typeface="Cambria Math" panose="02040503050406030204" pitchFamily="18" charset="0"/>
-                                      </a:rPr>
-                                    </m:ctrlPr>
-                                  </m:funcPr>
-                                  <m:fName>
-                                    <m:sSub>
-                                      <m:sSubPr>
-                                        <m:ctrlPr>
-                                          <a:rPr lang="en-US" i="1">
-                                            <a:latin typeface="Cambria Math" panose="02040503050406030204" pitchFamily="18" charset="0"/>
-                                          </a:rPr>
-                                        </m:ctrlPr>
-                                      </m:sSubPr>
-                                      <m:e>
-                                        <m:r>
-                                          <m:rPr>
-                                            <m:sty m:val="p"/>
-                                          </m:rPr>
-                                          <a:rPr lang="en-US">
-                                            <a:latin typeface="Cambria Math" panose="02040503050406030204" pitchFamily="18" charset="0"/>
-                                          </a:rPr>
-                                          <m:t>log</m:t>
-                                        </m:r>
-                                      </m:e>
-                                      <m:sub>
-                                        <m:r>
-                                          <a:rPr lang="en-US" i="1">
-                                            <a:latin typeface="Cambria Math" panose="02040503050406030204" pitchFamily="18" charset="0"/>
-                                          </a:rPr>
-                                          <m:t>2</m:t>
-                                        </m:r>
-                                      </m:sub>
-                                    </m:sSub>
-                                  </m:fName>
-                                  <m:e>
-                                    <m:r>
-                                      <a:rPr lang="en-US" i="1">
-                                        <a:latin typeface="Cambria Math" panose="02040503050406030204" pitchFamily="18" charset="0"/>
-                                      </a:rPr>
-                                      <m:t>𝑛</m:t>
-                                    </m:r>
-                                  </m:e>
-                                </m:func>
-                              </m:e>
-                            </m:d>
-                          </m:sup>
-                          <m:e>
-                            <m:f>
-                              <m:fPr>
-                                <m:ctrlPr>
-                                  <a:rPr lang="en-US" i="1">
-                                    <a:latin typeface="Cambria Math" panose="02040503050406030204" pitchFamily="18" charset="0"/>
-                                  </a:rPr>
-                                </m:ctrlPr>
-                              </m:fPr>
-                              <m:num>
-                                <m:r>
-                                  <a:rPr lang="en-US" b="0" i="1" smtClean="0">
-                                    <a:latin typeface="Cambria Math" panose="02040503050406030204" pitchFamily="18" charset="0"/>
-                                  </a:rPr>
-                                  <m:t>h</m:t>
-                                </m:r>
-                              </m:num>
-                              <m:den>
-                                <m:sSup>
-                                  <m:sSupPr>
-                                    <m:ctrlPr>
-                                      <a:rPr lang="en-US" i="1">
-                                        <a:latin typeface="Cambria Math" panose="02040503050406030204" pitchFamily="18" charset="0"/>
-                                      </a:rPr>
-                                    </m:ctrlPr>
-                                  </m:sSupPr>
-                                  <m:e>
-                                    <m:r>
-                                      <a:rPr lang="en-US" i="1">
-                                        <a:latin typeface="Cambria Math" panose="02040503050406030204" pitchFamily="18" charset="0"/>
-                                      </a:rPr>
-                                      <m:t>2</m:t>
-                                    </m:r>
-                                  </m:e>
-                                  <m:sup>
-                                    <m:r>
-                                      <a:rPr lang="en-US" i="1">
-                                        <a:latin typeface="Cambria Math" panose="02040503050406030204" pitchFamily="18" charset="0"/>
-                                      </a:rPr>
-                                      <m:t>h</m:t>
-                                    </m:r>
-                                  </m:sup>
-                                </m:sSup>
-                              </m:den>
-                            </m:f>
-                          </m:e>
-                        </m:nary>
-                      </m:e>
-                    </m:d>
-                    <m:r>
-                      <a:rPr lang="en-US" b="0" i="1" smtClean="0">
-                        <a:solidFill>
-                          <a:schemeClr val="tx1"/>
-                        </a:solidFill>
-                        <a:latin typeface="Cambria Math" panose="02040503050406030204" pitchFamily="18" charset="0"/>
-                      </a:rPr>
-                      <m:t>=</m:t>
-                    </m:r>
-                    <m:r>
-                      <a:rPr lang="en-US" b="0" i="1" smtClean="0">
-                        <a:solidFill>
-                          <a:schemeClr val="tx1"/>
-                        </a:solidFill>
-                        <a:latin typeface="Cambria Math" panose="02040503050406030204" pitchFamily="18" charset="0"/>
-                      </a:rPr>
-                      <m:t>𝑂</m:t>
-                    </m:r>
-                    <m:r>
-                      <a:rPr lang="en-US" b="0" i="1" smtClean="0">
-                        <a:solidFill>
-                          <a:schemeClr val="tx1"/>
-                        </a:solidFill>
-                        <a:latin typeface="Cambria Math" panose="02040503050406030204" pitchFamily="18" charset="0"/>
-                      </a:rPr>
-                      <m:t>(</m:t>
-                    </m:r>
-                    <m:r>
-                      <a:rPr lang="en-US" b="0" i="1" smtClean="0">
-                        <a:solidFill>
-                          <a:schemeClr val="tx1"/>
-                        </a:solidFill>
-                        <a:latin typeface="Cambria Math" panose="02040503050406030204" pitchFamily="18" charset="0"/>
-                      </a:rPr>
-                      <m:t>𝑛</m:t>
-                    </m:r>
-                    <m:nary>
-                      <m:naryPr>
-                        <m:chr m:val="∑"/>
-                        <m:ctrlPr>
-                          <a:rPr lang="en-US" b="0" i="1" smtClean="0">
-                            <a:solidFill>
-                              <a:schemeClr val="tx1"/>
-                            </a:solidFill>
-                            <a:latin typeface="Cambria Math" panose="02040503050406030204" pitchFamily="18" charset="0"/>
-                          </a:rPr>
-                        </m:ctrlPr>
-                      </m:naryPr>
-                      <m:sub>
-                        <m:r>
-                          <m:rPr>
-                            <m:brk m:alnAt="23"/>
-                          </m:rPr>
-                          <a:rPr lang="en-US" b="0" i="1" smtClean="0">
-                            <a:solidFill>
-                              <a:schemeClr val="tx1"/>
-                            </a:solidFill>
-                            <a:latin typeface="Cambria Math" panose="02040503050406030204" pitchFamily="18" charset="0"/>
-                          </a:rPr>
-                          <m:t>𝑖</m:t>
-                        </m:r>
-                        <m:r>
-                          <a:rPr lang="en-US" b="0" i="1" smtClean="0">
-                            <a:solidFill>
-                              <a:schemeClr val="tx1"/>
-                            </a:solidFill>
-                            <a:latin typeface="Cambria Math" panose="02040503050406030204" pitchFamily="18" charset="0"/>
-                          </a:rPr>
-                          <m:t>=0</m:t>
-                        </m:r>
-                      </m:sub>
-                      <m:sup>
-                        <m:d>
-                          <m:dPr>
-                            <m:begChr m:val="⌊"/>
-                            <m:endChr m:val="⌋"/>
-                            <m:ctrlPr>
-                              <a:rPr lang="en-US" i="1">
-                                <a:solidFill>
-                                  <a:schemeClr val="tx1"/>
-                                </a:solidFill>
-                                <a:latin typeface="Cambria Math" panose="02040503050406030204" pitchFamily="18" charset="0"/>
-                              </a:rPr>
-                            </m:ctrlPr>
-                          </m:dPr>
-                          <m:e>
-                            <m:func>
-                              <m:funcPr>
-                                <m:ctrlPr>
-                                  <a:rPr lang="en-US" i="1">
-                                    <a:solidFill>
-                                      <a:schemeClr val="tx1"/>
-                                    </a:solidFill>
-                                    <a:latin typeface="Cambria Math" panose="02040503050406030204" pitchFamily="18" charset="0"/>
-                                  </a:rPr>
-                                </m:ctrlPr>
-                              </m:funcPr>
-                              <m:fName>
-                                <m:sSub>
-                                  <m:sSubPr>
-                                    <m:ctrlPr>
-                                      <a:rPr lang="en-US" i="1">
-                                        <a:solidFill>
-                                          <a:schemeClr val="tx1"/>
-                                        </a:solidFill>
-                                        <a:latin typeface="Cambria Math" panose="02040503050406030204" pitchFamily="18" charset="0"/>
-                                      </a:rPr>
-                                    </m:ctrlPr>
-                                  </m:sSubPr>
-                                  <m:e>
-                                    <m:r>
-                                      <m:rPr>
-                                        <m:sty m:val="p"/>
-                                      </m:rPr>
-                                      <a:rPr lang="en-US">
-                                        <a:solidFill>
-                                          <a:schemeClr val="tx1"/>
-                                        </a:solidFill>
-                                        <a:latin typeface="Cambria Math" panose="02040503050406030204" pitchFamily="18" charset="0"/>
-                                      </a:rPr>
-                                      <m:t>log</m:t>
-                                    </m:r>
-                                  </m:e>
-                                  <m:sub>
-                                    <m:r>
-                                      <a:rPr lang="en-US" i="1">
-                                        <a:solidFill>
-                                          <a:schemeClr val="tx1"/>
-                                        </a:solidFill>
-                                        <a:latin typeface="Cambria Math" panose="02040503050406030204" pitchFamily="18" charset="0"/>
-                                      </a:rPr>
-                                      <m:t>2</m:t>
-                                    </m:r>
-                                  </m:sub>
-                                </m:sSub>
-                              </m:fName>
-                              <m:e>
-                                <m:r>
-                                  <a:rPr lang="en-US" i="1">
-                                    <a:solidFill>
-                                      <a:schemeClr val="tx1"/>
-                                    </a:solidFill>
-                                    <a:latin typeface="Cambria Math" panose="02040503050406030204" pitchFamily="18" charset="0"/>
-                                  </a:rPr>
-                                  <m:t>𝑛</m:t>
-                                </m:r>
-                              </m:e>
-                            </m:func>
-                          </m:e>
-                        </m:d>
-                      </m:sup>
-                      <m:e>
-                        <m:f>
-                          <m:fPr>
-                            <m:ctrlPr>
-                              <a:rPr lang="en-US" b="0" i="1" smtClean="0">
-                                <a:solidFill>
-                                  <a:schemeClr val="tx1"/>
-                                </a:solidFill>
-                                <a:latin typeface="Cambria Math" panose="02040503050406030204" pitchFamily="18" charset="0"/>
-                              </a:rPr>
-                            </m:ctrlPr>
-                          </m:fPr>
-                          <m:num>
-                            <m:r>
-                              <a:rPr lang="en-US" b="0" i="1" smtClean="0">
-                                <a:solidFill>
-                                  <a:schemeClr val="tx1"/>
-                                </a:solidFill>
-                                <a:latin typeface="Cambria Math" panose="02040503050406030204" pitchFamily="18" charset="0"/>
-                              </a:rPr>
-                              <m:t>h</m:t>
-                            </m:r>
-                          </m:num>
-                          <m:den>
-                            <m:sSup>
-                              <m:sSupPr>
-                                <m:ctrlPr>
-                                  <a:rPr lang="en-US" b="0" i="1" smtClean="0">
-                                    <a:solidFill>
-                                      <a:schemeClr val="tx1"/>
-                                    </a:solidFill>
-                                    <a:latin typeface="Cambria Math" panose="02040503050406030204" pitchFamily="18" charset="0"/>
-                                  </a:rPr>
-                                </m:ctrlPr>
-                              </m:sSupPr>
-                              <m:e>
-                                <m:r>
-                                  <a:rPr lang="en-US" b="0" i="1" smtClean="0">
-                                    <a:solidFill>
-                                      <a:schemeClr val="tx1"/>
-                                    </a:solidFill>
-                                    <a:latin typeface="Cambria Math" panose="02040503050406030204" pitchFamily="18" charset="0"/>
-                                  </a:rPr>
-                                  <m:t>2</m:t>
-                                </m:r>
-                              </m:e>
-                              <m:sup>
-                                <m:r>
-                                  <a:rPr lang="en-US" b="0" i="1" smtClean="0">
-                                    <a:solidFill>
-                                      <a:schemeClr val="tx1"/>
-                                    </a:solidFill>
-                                    <a:latin typeface="Cambria Math" panose="02040503050406030204" pitchFamily="18" charset="0"/>
-                                  </a:rPr>
-                                  <m:t>h</m:t>
-                                </m:r>
-                              </m:sup>
-                            </m:sSup>
-                          </m:den>
-                        </m:f>
-                      </m:e>
-                    </m:nary>
-                    <m:r>
-                      <a:rPr lang="en-US" b="0" i="1" smtClean="0">
-                        <a:solidFill>
-                          <a:schemeClr val="tx1"/>
-                        </a:solidFill>
-                        <a:latin typeface="Cambria Math" panose="02040503050406030204" pitchFamily="18" charset="0"/>
-                      </a:rPr>
-                      <m:t>)</m:t>
-                    </m:r>
-                  </m:oMath>
-                </a14:m>
-                <a:endParaRPr lang="en-US" dirty="0">
-                  <a:solidFill>
-                    <a:schemeClr val="tx1"/>
-                  </a:solidFill>
-                </a:endParaRPr>
-              </a:p>
-            </p:txBody>
-          </p:sp>
-        </mc:Choice>
-        <mc:Fallback xmlns="">
-          <p:sp>
-            <p:nvSpPr>
-              <p:cNvPr id="3" name="Content Placeholder 2">
-                <a:extLst>
-                  <a:ext uri="{FF2B5EF4-FFF2-40B4-BE49-F238E27FC236}">
-                    <a16:creationId xmlns:a16="http://schemas.microsoft.com/office/drawing/2014/main" id="{A4133BFA-3401-4B6D-B68E-5B9CC821C26F}"/>
-                  </a:ext>
-                </a:extLst>
-              </p:cNvPr>
-              <p:cNvSpPr>
-                <a:spLocks noGrp="1" noRot="1" noChangeAspect="1" noMove="1" noResize="1" noEditPoints="1" noAdjustHandles="1" noChangeArrowheads="1" noChangeShapeType="1" noTextEdit="1"/>
-              </p:cNvSpPr>
-              <p:nvPr>
-                <p:ph idx="1"/>
-              </p:nvPr>
-            </p:nvSpPr>
-            <p:spPr>
-              <a:blipFill>
-                <a:blip r:embed="rId2"/>
-                <a:stretch>
-                  <a:fillRect l="-1217"/>
-                </a:stretch>
-              </a:blipFill>
-            </p:spPr>
-            <p:txBody>
-              <a:bodyPr/>
-              <a:lstStyle/>
-              <a:p>
-                <a:r>
-                  <a:rPr lang="en-US">
-                    <a:noFill/>
-                  </a:rPr>
-                  <a:t> </a:t>
-                </a:r>
-              </a:p>
-            </p:txBody>
-          </p:sp>
-        </mc:Fallback>
-      </mc:AlternateContent>
-    </p:spTree>
-    <p:extLst>
-      <p:ext uri="{BB962C8B-B14F-4D97-AF65-F5344CB8AC3E}">
-        <p14:creationId xmlns:p14="http://schemas.microsoft.com/office/powerpoint/2010/main" val="3159102947"/>
-      </p:ext>
-    </p:extLst>
-  </p:cSld>
-  <p:clrMapOvr>
-    <a:masterClrMapping/>
-  </p:clrMapOvr>
-</p:sld>
-</file>
-
-<file path=ppt/slides/slide3.xml><?xml version="1.0" encoding="utf-8"?>
-<p:sld xmlns:a="http://schemas.openxmlformats.org/drawingml/2006/main" xmlns:r="http://schemas.openxmlformats.org/officeDocument/2006/relationships" xmlns:p="http://schemas.openxmlformats.org/presentationml/2006/main">
-  <p:cSld>
-    <p:spTree>
-      <p:nvGrpSpPr>
-        <p:cNvPr id="1" name=""/>
-        <p:cNvGrpSpPr/>
-        <p:nvPr/>
-      </p:nvGrpSpPr>
-      <p:grpSpPr>
-        <a:xfrm>
-          <a:off x="0" y="0"/>
-          <a:ext cx="0" cy="0"/>
-          <a:chOff x="0" y="0"/>
-          <a:chExt cx="0" cy="0"/>
-        </a:xfrm>
-      </p:grpSpPr>
-      <p:sp>
-        <p:nvSpPr>
-          <p:cNvPr id="2" name="Title 1"/>
-          <p:cNvSpPr>
-            <a:spLocks noGrp="1"/>
-          </p:cNvSpPr>
-          <p:nvPr>
-            <p:ph type="title"/>
-          </p:nvPr>
-        </p:nvSpPr>
-        <p:spPr/>
-        <p:txBody>
-          <a:bodyPr/>
-          <a:lstStyle/>
-          <a:p>
-            <a:r>
-              <a:rPr lang="en-US" dirty="0">
-                <a:solidFill>
-                  <a:schemeClr val="accent1"/>
-                </a:solidFill>
-              </a:rPr>
-              <a:t>Stack</a:t>
-            </a:r>
-          </a:p>
-        </p:txBody>
-      </p:sp>
-      <mc:AlternateContent xmlns:mc="http://schemas.openxmlformats.org/markup-compatibility/2006" xmlns:a14="http://schemas.microsoft.com/office/drawing/2010/main">
-        <mc:Choice Requires="a14">
-          <p:sp>
-            <p:nvSpPr>
-              <p:cNvPr id="3" name="Content Placeholder 2"/>
-              <p:cNvSpPr>
-                <a:spLocks noGrp="1"/>
-              </p:cNvSpPr>
-              <p:nvPr>
-                <p:ph idx="1"/>
-              </p:nvPr>
-            </p:nvSpPr>
-            <p:spPr/>
-            <p:txBody>
-              <a:bodyPr>
-                <a:normAutofit/>
-              </a:bodyPr>
-              <a:lstStyle/>
-              <a:p>
-                <a:pPr marL="0" indent="0">
-                  <a:buNone/>
-                </a:pPr>
-                <a:r>
-                  <a:rPr lang="en-US" dirty="0">
-                    <a:solidFill>
-                      <a:schemeClr val="accent1"/>
-                    </a:solidFill>
-                  </a:rPr>
-                  <a:t>A stack </a:t>
-                </a:r>
-                <a14:m>
-                  <m:oMath xmlns:m="http://schemas.openxmlformats.org/officeDocument/2006/math">
-                    <m:r>
-                      <a:rPr lang="en-US" b="0" i="1" smtClean="0">
-                        <a:solidFill>
-                          <a:schemeClr val="tx1"/>
-                        </a:solidFill>
-                        <a:latin typeface="Cambria Math" panose="02040503050406030204" pitchFamily="18" charset="0"/>
-                      </a:rPr>
-                      <m:t>𝑆</m:t>
-                    </m:r>
-                  </m:oMath>
-                </a14:m>
-                <a:r>
-                  <a:rPr lang="en-US" dirty="0">
-                    <a:solidFill>
-                      <a:schemeClr val="accent1"/>
-                    </a:solidFill>
-                  </a:rPr>
-                  <a:t> consists of elements </a:t>
-                </a:r>
-                <a14:m>
-                  <m:oMath xmlns:m="http://schemas.openxmlformats.org/officeDocument/2006/math">
-                    <m:r>
-                      <a:rPr lang="en-US" b="0" i="1" smtClean="0">
-                        <a:solidFill>
-                          <a:schemeClr val="tx1"/>
-                        </a:solidFill>
-                        <a:latin typeface="Cambria Math" panose="02040503050406030204" pitchFamily="18" charset="0"/>
-                      </a:rPr>
-                      <m:t>𝑆</m:t>
-                    </m:r>
-                    <m:d>
-                      <m:dPr>
-                        <m:begChr m:val="["/>
-                        <m:endChr m:val="]"/>
-                        <m:ctrlPr>
-                          <a:rPr lang="en-US" b="0" i="1" smtClean="0">
-                            <a:solidFill>
-                              <a:schemeClr val="tx1"/>
-                            </a:solidFill>
-                            <a:latin typeface="Cambria Math" panose="02040503050406030204" pitchFamily="18" charset="0"/>
-                          </a:rPr>
-                        </m:ctrlPr>
-                      </m:dPr>
-                      <m:e>
-                        <m:r>
-                          <a:rPr lang="en-US" b="0" i="1" smtClean="0">
-                            <a:solidFill>
-                              <a:schemeClr val="tx1"/>
-                            </a:solidFill>
-                            <a:latin typeface="Cambria Math" panose="02040503050406030204" pitchFamily="18" charset="0"/>
-                          </a:rPr>
-                          <m:t>1…</m:t>
-                        </m:r>
-                        <m:r>
-                          <a:rPr lang="en-US" b="0" i="1" smtClean="0">
-                            <a:solidFill>
-                              <a:schemeClr val="tx1"/>
-                            </a:solidFill>
-                            <a:latin typeface="Cambria Math" panose="02040503050406030204" pitchFamily="18" charset="0"/>
-                          </a:rPr>
-                          <m:t>𝑆</m:t>
-                        </m:r>
-                        <m:r>
-                          <a:rPr lang="en-US" b="0" i="1" smtClean="0">
-                            <a:solidFill>
-                              <a:schemeClr val="tx1"/>
-                            </a:solidFill>
-                            <a:latin typeface="Cambria Math" panose="02040503050406030204" pitchFamily="18" charset="0"/>
-                          </a:rPr>
-                          <m:t>.</m:t>
-                        </m:r>
-                        <m:r>
-                          <a:rPr lang="en-US" b="0" i="1" smtClean="0">
-                            <a:solidFill>
-                              <a:schemeClr val="tx1"/>
-                            </a:solidFill>
-                            <a:latin typeface="Cambria Math" panose="02040503050406030204" pitchFamily="18" charset="0"/>
-                          </a:rPr>
-                          <m:t>𝑡𝑜𝑝</m:t>
-                        </m:r>
-                      </m:e>
-                    </m:d>
-                  </m:oMath>
-                </a14:m>
-                <a:endParaRPr lang="en-US" dirty="0">
-                  <a:solidFill>
-                    <a:schemeClr val="accent1"/>
-                  </a:solidFill>
-                </a:endParaRPr>
-              </a:p>
-              <a:p>
-                <a14:m>
-                  <m:oMath xmlns:m="http://schemas.openxmlformats.org/officeDocument/2006/math">
-                    <m:r>
-                      <a:rPr lang="en-US" i="1">
-                        <a:latin typeface="Cambria Math" panose="02040503050406030204" pitchFamily="18" charset="0"/>
-                      </a:rPr>
-                      <m:t>𝑆</m:t>
-                    </m:r>
-                    <m:r>
-                      <a:rPr lang="en-US" i="1">
-                        <a:latin typeface="Cambria Math" panose="02040503050406030204" pitchFamily="18" charset="0"/>
-                      </a:rPr>
-                      <m:t>.</m:t>
-                    </m:r>
-                    <m:r>
-                      <a:rPr lang="en-US" i="1">
-                        <a:latin typeface="Cambria Math" panose="02040503050406030204" pitchFamily="18" charset="0"/>
-                      </a:rPr>
-                      <m:t>𝑡𝑜𝑝</m:t>
-                    </m:r>
-                  </m:oMath>
-                </a14:m>
-                <a:r>
-                  <a:rPr lang="en-US" dirty="0">
-                    <a:solidFill>
-                      <a:schemeClr val="tx1"/>
-                    </a:solidFill>
-                  </a:rPr>
-                  <a:t> </a:t>
-                </a:r>
-                <a:r>
-                  <a:rPr lang="en-US" dirty="0">
-                    <a:solidFill>
-                      <a:schemeClr val="accent1"/>
-                    </a:solidFill>
-                  </a:rPr>
-                  <a:t>points to the </a:t>
-                </a:r>
-                <a:r>
-                  <a:rPr lang="en-US" b="1" i="1" dirty="0">
-                    <a:solidFill>
-                      <a:srgbClr val="FF0000"/>
-                    </a:solidFill>
-                  </a:rPr>
-                  <a:t>most recently</a:t>
-                </a:r>
-                <a:r>
-                  <a:rPr lang="en-US" dirty="0">
-                    <a:solidFill>
-                      <a:schemeClr val="accent1"/>
-                    </a:solidFill>
-                  </a:rPr>
-                  <a:t> inserted element </a:t>
-                </a:r>
-              </a:p>
-              <a:p>
-                <a14:m>
-                  <m:oMath xmlns:m="http://schemas.openxmlformats.org/officeDocument/2006/math">
-                    <m:r>
-                      <a:rPr lang="en-US" b="0" i="1" smtClean="0">
-                        <a:solidFill>
-                          <a:schemeClr val="tx1"/>
-                        </a:solidFill>
-                        <a:latin typeface="Cambria Math" panose="02040503050406030204" pitchFamily="18" charset="0"/>
-                      </a:rPr>
-                      <m:t>𝑆</m:t>
-                    </m:r>
-                    <m:r>
-                      <a:rPr lang="en-US" b="0" i="1" smtClean="0">
-                        <a:solidFill>
-                          <a:schemeClr val="tx1"/>
-                        </a:solidFill>
-                        <a:latin typeface="Cambria Math" panose="02040503050406030204" pitchFamily="18" charset="0"/>
-                      </a:rPr>
-                      <m:t>[1]</m:t>
-                    </m:r>
-                  </m:oMath>
-                </a14:m>
-                <a:r>
-                  <a:rPr lang="en-US" dirty="0">
-                    <a:solidFill>
-                      <a:schemeClr val="accent1"/>
-                    </a:solidFill>
-                  </a:rPr>
-                  <a:t> points to the element at the bottom of the stack, i.e., the </a:t>
-                </a:r>
-                <a:r>
-                  <a:rPr lang="en-US" b="1" i="1" dirty="0">
-                    <a:solidFill>
-                      <a:srgbClr val="FF0000"/>
-                    </a:solidFill>
-                  </a:rPr>
-                  <a:t>oldest</a:t>
-                </a:r>
-                <a:r>
-                  <a:rPr lang="en-US" dirty="0">
-                    <a:solidFill>
-                      <a:schemeClr val="accent1"/>
-                    </a:solidFill>
-                  </a:rPr>
-                  <a:t> element</a:t>
-                </a:r>
-              </a:p>
-              <a:p>
-                <a:endParaRPr lang="en-US" dirty="0">
-                  <a:solidFill>
-                    <a:schemeClr val="accent1"/>
-                  </a:solidFill>
-                </a:endParaRPr>
-              </a:p>
-              <a:p>
-                <a:r>
-                  <a:rPr lang="en-US" dirty="0">
-                    <a:solidFill>
-                      <a:schemeClr val="accent1"/>
-                    </a:solidFill>
-                  </a:rPr>
-                  <a:t>A stack exhibits </a:t>
-                </a:r>
-                <a:r>
-                  <a:rPr lang="en-US" b="1" i="1" dirty="0">
-                    <a:solidFill>
-                      <a:srgbClr val="FF0000"/>
-                    </a:solidFill>
-                  </a:rPr>
-                  <a:t>LIFO </a:t>
-                </a:r>
-                <a:r>
-                  <a:rPr lang="en-US" dirty="0">
-                    <a:solidFill>
-                      <a:schemeClr val="accent1"/>
-                    </a:solidFill>
-                  </a:rPr>
-                  <a:t>behavior.</a:t>
-                </a:r>
-              </a:p>
-              <a:p>
-                <a:pPr lvl="1"/>
-                <a:r>
-                  <a:rPr lang="en-US" dirty="0">
-                    <a:solidFill>
-                      <a:schemeClr val="accent1"/>
-                    </a:solidFill>
-                  </a:rPr>
-                  <a:t>A new item is added to the top of the stack</a:t>
-                </a:r>
-              </a:p>
-              <a:p>
-                <a:pPr lvl="1"/>
-                <a:r>
-                  <a:rPr lang="en-US" dirty="0">
-                    <a:solidFill>
-                      <a:schemeClr val="accent1"/>
-                    </a:solidFill>
-                  </a:rPr>
-                  <a:t>Only the most recently item </a:t>
-                </a:r>
-                <a14:m>
-                  <m:oMath xmlns:m="http://schemas.openxmlformats.org/officeDocument/2006/math">
-                    <m:r>
-                      <m:rPr>
-                        <m:sty m:val="p"/>
-                      </m:rPr>
-                      <a:rPr lang="en-US" b="0" i="0" smtClean="0">
-                        <a:latin typeface="Cambria Math" panose="02040503050406030204" pitchFamily="18" charset="0"/>
-                      </a:rPr>
-                      <m:t>S</m:t>
-                    </m:r>
-                    <m:r>
-                      <a:rPr lang="en-US" b="0" i="0" smtClean="0">
-                        <a:latin typeface="Cambria Math" panose="02040503050406030204" pitchFamily="18" charset="0"/>
-                      </a:rPr>
-                      <m:t>[</m:t>
-                    </m:r>
-                    <m:r>
-                      <a:rPr lang="en-US" b="0" i="1" smtClean="0">
-                        <a:latin typeface="Cambria Math" panose="02040503050406030204" pitchFamily="18" charset="0"/>
-                      </a:rPr>
-                      <m:t>𝑆</m:t>
-                    </m:r>
-                    <m:r>
-                      <a:rPr lang="en-US" b="0" i="1" smtClean="0">
-                        <a:latin typeface="Cambria Math" panose="02040503050406030204" pitchFamily="18" charset="0"/>
-                      </a:rPr>
-                      <m:t>.</m:t>
-                    </m:r>
-                    <m:r>
-                      <a:rPr lang="en-US" i="1">
-                        <a:latin typeface="Cambria Math" panose="02040503050406030204" pitchFamily="18" charset="0"/>
-                      </a:rPr>
-                      <m:t>𝑡𝑜𝑝</m:t>
-                    </m:r>
-                    <m:r>
-                      <a:rPr lang="en-US" b="0" i="1" smtClean="0">
-                        <a:latin typeface="Cambria Math" panose="02040503050406030204" pitchFamily="18" charset="0"/>
-                      </a:rPr>
-                      <m:t>]</m:t>
-                    </m:r>
-                    <m:r>
-                      <a:rPr lang="en-US" i="1">
-                        <a:latin typeface="Cambria Math" panose="02040503050406030204" pitchFamily="18" charset="0"/>
-                      </a:rPr>
-                      <m:t> </m:t>
-                    </m:r>
-                  </m:oMath>
-                </a14:m>
-                <a:r>
-                  <a:rPr lang="en-US" dirty="0">
-                    <a:solidFill>
-                      <a:schemeClr val="accent1"/>
-                    </a:solidFill>
-                  </a:rPr>
-                  <a:t>can be deleted or popped off the stack</a:t>
-                </a:r>
-              </a:p>
-              <a:p>
-                <a:pPr marL="0" indent="0">
-                  <a:buNone/>
-                </a:pPr>
-                <a:endParaRPr lang="en-US" dirty="0">
-                  <a:solidFill>
-                    <a:schemeClr val="accent1"/>
-                  </a:solidFill>
-                </a:endParaRPr>
-              </a:p>
-              <a:p>
-                <a:pPr marL="457200" lvl="1" indent="0">
-                  <a:buNone/>
-                </a:pPr>
-                <a:endParaRPr lang="en-US" dirty="0">
-                  <a:solidFill>
-                    <a:schemeClr val="accent1"/>
-                  </a:solidFill>
-                </a:endParaRPr>
-              </a:p>
-            </p:txBody>
-          </p:sp>
-        </mc:Choice>
-        <mc:Fallback xmlns="">
-          <p:sp>
-            <p:nvSpPr>
-              <p:cNvPr id="3" name="Content Placeholder 2"/>
-              <p:cNvSpPr>
-                <a:spLocks noGrp="1" noRot="1" noChangeAspect="1" noMove="1" noResize="1" noEditPoints="1" noAdjustHandles="1" noChangeArrowheads="1" noChangeShapeType="1" noTextEdit="1"/>
-              </p:cNvSpPr>
-              <p:nvPr>
-                <p:ph idx="1"/>
-              </p:nvPr>
-            </p:nvSpPr>
-            <p:spPr>
-              <a:blipFill>
-                <a:blip r:embed="rId2"/>
-                <a:stretch>
-                  <a:fillRect l="-1217" t="-2241"/>
-                </a:stretch>
-              </a:blipFill>
-            </p:spPr>
-            <p:txBody>
-              <a:bodyPr/>
-              <a:lstStyle/>
-              <a:p>
-                <a:r>
-                  <a:rPr lang="en-US">
-                    <a:noFill/>
-                  </a:rPr>
-                  <a:t> </a:t>
-                </a:r>
-              </a:p>
-            </p:txBody>
-          </p:sp>
-        </mc:Fallback>
-      </mc:AlternateContent>
-    </p:spTree>
-    <p:extLst>
-      <p:ext uri="{BB962C8B-B14F-4D97-AF65-F5344CB8AC3E}">
-        <p14:creationId xmlns:p14="http://schemas.microsoft.com/office/powerpoint/2010/main" val="1066825652"/>
-      </p:ext>
-    </p:extLst>
-  </p:cSld>
-  <p:clrMapOvr>
-    <a:masterClrMapping/>
-  </p:clrMapOvr>
-</p:sld>
-</file>
-
-<file path=ppt/slides/slide30.xml><?xml version="1.0" encoding="utf-8"?>
-<p:sld xmlns:a="http://schemas.openxmlformats.org/drawingml/2006/main" xmlns:r="http://schemas.openxmlformats.org/officeDocument/2006/relationships" xmlns:p="http://schemas.openxmlformats.org/presentationml/2006/main">
-  <p:cSld>
-    <p:spTree>
-      <p:nvGrpSpPr>
-        <p:cNvPr id="1" name=""/>
-        <p:cNvGrpSpPr/>
-        <p:nvPr/>
-      </p:nvGrpSpPr>
-      <p:grpSpPr>
-        <a:xfrm>
-          <a:off x="0" y="0"/>
-          <a:ext cx="0" cy="0"/>
-          <a:chOff x="0" y="0"/>
-          <a:chExt cx="0" cy="0"/>
-        </a:xfrm>
-      </p:grpSpPr>
-      <p:sp>
-        <p:nvSpPr>
-          <p:cNvPr id="2" name="Title 1">
-            <a:extLst>
-              <a:ext uri="{FF2B5EF4-FFF2-40B4-BE49-F238E27FC236}">
-                <a16:creationId xmlns:a16="http://schemas.microsoft.com/office/drawing/2014/main" id="{F8CA2D13-6CCB-46E4-AD89-0C076D6F6C8E}"/>
-              </a:ext>
-            </a:extLst>
-          </p:cNvPr>
-          <p:cNvSpPr>
-            <a:spLocks noGrp="1"/>
-          </p:cNvSpPr>
-          <p:nvPr>
-            <p:ph type="title"/>
-          </p:nvPr>
-        </p:nvSpPr>
-        <p:spPr/>
-        <p:txBody>
-          <a:bodyPr/>
-          <a:lstStyle/>
-          <a:p>
-            <a:r>
-              <a:rPr lang="en-US" dirty="0">
-                <a:solidFill>
-                  <a:schemeClr val="accent1"/>
-                </a:solidFill>
-              </a:rPr>
-              <a:t>Time Complexity of Build-Max-Heap</a:t>
-            </a:r>
-          </a:p>
-        </p:txBody>
-      </p:sp>
-      <mc:AlternateContent xmlns:mc="http://schemas.openxmlformats.org/markup-compatibility/2006" xmlns:a14="http://schemas.microsoft.com/office/drawing/2010/main">
-        <mc:Choice Requires="a14">
-          <p:sp>
-            <p:nvSpPr>
-              <p:cNvPr id="3" name="Content Placeholder 2">
-                <a:extLst>
-                  <a:ext uri="{FF2B5EF4-FFF2-40B4-BE49-F238E27FC236}">
-                    <a16:creationId xmlns:a16="http://schemas.microsoft.com/office/drawing/2014/main" id="{A4133BFA-3401-4B6D-B68E-5B9CC821C26F}"/>
-                  </a:ext>
-                </a:extLst>
-              </p:cNvPr>
-              <p:cNvSpPr>
-                <a:spLocks noGrp="1"/>
-              </p:cNvSpPr>
-              <p:nvPr>
-                <p:ph idx="1"/>
-              </p:nvPr>
-            </p:nvSpPr>
-            <p:spPr/>
-            <p:txBody>
-              <a:bodyPr>
-                <a:normAutofit/>
-              </a:bodyPr>
-              <a:lstStyle/>
-              <a:p>
-                <a:pPr marL="0" indent="0">
-                  <a:buNone/>
-                </a:pPr>
-                <a:r>
-                  <a:rPr lang="en-US" b="1" i="1" u="sng" dirty="0">
-                    <a:solidFill>
-                      <a:srgbClr val="FF0000"/>
-                    </a:solidFill>
-                  </a:rPr>
-                  <a:t>Observation:</a:t>
-                </a:r>
-                <a:r>
-                  <a:rPr lang="en-US" dirty="0">
-                    <a:solidFill>
-                      <a:schemeClr val="tx1"/>
-                    </a:solidFill>
-                  </a:rPr>
-                  <a:t>    </a:t>
-                </a:r>
-              </a:p>
-              <a:p>
-                <a:pPr marL="0" indent="0">
-                  <a:buNone/>
-                </a:pPr>
-                <a:r>
-                  <a:rPr lang="en-US" dirty="0"/>
-                  <a:t>				</a:t>
-                </a:r>
-                <a14:m>
-                  <m:oMath xmlns:m="http://schemas.openxmlformats.org/officeDocument/2006/math">
-                    <m:nary>
-                      <m:naryPr>
-                        <m:chr m:val="∑"/>
-                        <m:ctrlPr>
-                          <a:rPr lang="en-US" i="1" smtClean="0">
-                            <a:solidFill>
-                              <a:schemeClr val="tx1"/>
-                            </a:solidFill>
-                            <a:latin typeface="Cambria Math" panose="02040503050406030204" pitchFamily="18" charset="0"/>
-                          </a:rPr>
-                        </m:ctrlPr>
-                      </m:naryPr>
-                      <m:sub>
-                        <m:r>
-                          <m:rPr>
-                            <m:brk m:alnAt="23"/>
-                          </m:rPr>
-                          <a:rPr lang="en-US" b="0" i="1" smtClean="0">
-                            <a:solidFill>
-                              <a:schemeClr val="tx1"/>
-                            </a:solidFill>
-                            <a:latin typeface="Cambria Math" panose="02040503050406030204" pitchFamily="18" charset="0"/>
-                          </a:rPr>
-                          <m:t>h</m:t>
-                        </m:r>
-                        <m:r>
-                          <a:rPr lang="en-US" b="0" i="1" smtClean="0">
-                            <a:solidFill>
-                              <a:schemeClr val="tx1"/>
-                            </a:solidFill>
-                            <a:latin typeface="Cambria Math" panose="02040503050406030204" pitchFamily="18" charset="0"/>
-                          </a:rPr>
-                          <m:t>=0</m:t>
-                        </m:r>
-                      </m:sub>
-                      <m:sup>
-                        <m:r>
-                          <a:rPr lang="en-US" i="1" smtClean="0">
-                            <a:solidFill>
-                              <a:schemeClr val="tx1"/>
-                            </a:solidFill>
-                            <a:latin typeface="Cambria Math" panose="02040503050406030204" pitchFamily="18" charset="0"/>
-                            <a:ea typeface="Cambria Math" panose="02040503050406030204" pitchFamily="18" charset="0"/>
-                          </a:rPr>
-                          <m:t>∞</m:t>
-                        </m:r>
-                      </m:sup>
-                      <m:e>
-                        <m:box>
-                          <m:boxPr>
-                            <m:ctrlPr>
-                              <a:rPr lang="en-US" i="1" smtClean="0">
-                                <a:solidFill>
-                                  <a:schemeClr val="tx1"/>
-                                </a:solidFill>
-                                <a:latin typeface="Cambria Math" panose="02040503050406030204" pitchFamily="18" charset="0"/>
-                              </a:rPr>
-                            </m:ctrlPr>
-                          </m:boxPr>
-                          <m:e>
-                            <m:argPr>
-                              <m:argSz m:val="-1"/>
-                            </m:argPr>
-                            <m:f>
-                              <m:fPr>
-                                <m:ctrlPr>
-                                  <a:rPr lang="en-US" i="1" smtClean="0">
-                                    <a:solidFill>
-                                      <a:schemeClr val="tx1"/>
-                                    </a:solidFill>
-                                    <a:latin typeface="Cambria Math" panose="02040503050406030204" pitchFamily="18" charset="0"/>
-                                  </a:rPr>
-                                </m:ctrlPr>
-                              </m:fPr>
-                              <m:num>
-                                <m:r>
-                                  <a:rPr lang="en-US" b="0" i="1" smtClean="0">
-                                    <a:solidFill>
-                                      <a:schemeClr val="tx1"/>
-                                    </a:solidFill>
-                                    <a:latin typeface="Cambria Math" panose="02040503050406030204" pitchFamily="18" charset="0"/>
-                                  </a:rPr>
-                                  <m:t>h</m:t>
-                                </m:r>
-                              </m:num>
-                              <m:den>
-                                <m:sSup>
-                                  <m:sSupPr>
-                                    <m:ctrlPr>
-                                      <a:rPr lang="en-US" i="1" smtClean="0">
-                                        <a:solidFill>
-                                          <a:schemeClr val="tx1"/>
-                                        </a:solidFill>
-                                        <a:latin typeface="Cambria Math" panose="02040503050406030204" pitchFamily="18" charset="0"/>
-                                      </a:rPr>
-                                    </m:ctrlPr>
-                                  </m:sSupPr>
-                                  <m:e>
-                                    <m:r>
-                                      <a:rPr lang="en-US" b="0" i="1" smtClean="0">
-                                        <a:solidFill>
-                                          <a:schemeClr val="tx1"/>
-                                        </a:solidFill>
-                                        <a:latin typeface="Cambria Math" panose="02040503050406030204" pitchFamily="18" charset="0"/>
-                                      </a:rPr>
-                                      <m:t>2</m:t>
-                                    </m:r>
-                                  </m:e>
-                                  <m:sup>
-                                    <m:r>
-                                      <a:rPr lang="en-US" b="0" i="1" smtClean="0">
-                                        <a:solidFill>
-                                          <a:schemeClr val="tx1"/>
-                                        </a:solidFill>
-                                        <a:latin typeface="Cambria Math" panose="02040503050406030204" pitchFamily="18" charset="0"/>
-                                      </a:rPr>
-                                      <m:t>h</m:t>
-                                    </m:r>
-                                  </m:sup>
-                                </m:sSup>
-                              </m:den>
-                            </m:f>
-                          </m:e>
-                        </m:box>
-                        <m:r>
-                          <a:rPr lang="en-US" b="0" i="1" smtClean="0">
-                            <a:solidFill>
-                              <a:schemeClr val="tx1"/>
-                            </a:solidFill>
-                            <a:latin typeface="Cambria Math" panose="02040503050406030204" pitchFamily="18" charset="0"/>
-                          </a:rPr>
-                          <m:t>=2</m:t>
-                        </m:r>
-                      </m:e>
-                    </m:nary>
-                  </m:oMath>
-                </a14:m>
-                <a:r>
-                  <a:rPr lang="en-US" dirty="0">
-                    <a:solidFill>
-                      <a:schemeClr val="accent1"/>
-                    </a:solidFill>
-                  </a:rPr>
-                  <a:t>.</a:t>
-                </a:r>
-              </a:p>
-              <a:p>
-                <a:pPr marL="0" indent="0">
-                  <a:buNone/>
-                </a:pPr>
-                <a:endParaRPr lang="en-US" dirty="0">
-                  <a:solidFill>
-                    <a:schemeClr val="accent1"/>
-                  </a:solidFill>
-                </a:endParaRPr>
-              </a:p>
-              <a:p>
-                <a:pPr marL="0" indent="0">
-                  <a:buNone/>
-                </a:pPr>
-                <a:r>
-                  <a:rPr lang="en-US" dirty="0">
-                    <a:solidFill>
-                      <a:schemeClr val="accent1"/>
-                    </a:solidFill>
-                  </a:rPr>
-                  <a:t>Therefore,  </a:t>
-                </a:r>
-                <a14:m>
-                  <m:oMath xmlns:m="http://schemas.openxmlformats.org/officeDocument/2006/math">
-                    <m:nary>
-                      <m:naryPr>
-                        <m:chr m:val="∑"/>
-                        <m:ctrlPr>
-                          <a:rPr lang="en-US" i="1" smtClean="0">
-                            <a:solidFill>
-                              <a:schemeClr val="tx1"/>
-                            </a:solidFill>
-                            <a:latin typeface="Cambria Math" panose="02040503050406030204" pitchFamily="18" charset="0"/>
-                          </a:rPr>
-                        </m:ctrlPr>
-                      </m:naryPr>
-                      <m:sub>
-                        <m:r>
-                          <m:rPr>
-                            <m:brk m:alnAt="23"/>
-                          </m:rPr>
-                          <a:rPr lang="en-US" b="0" i="1" smtClean="0">
-                            <a:solidFill>
-                              <a:schemeClr val="tx1"/>
-                            </a:solidFill>
-                            <a:latin typeface="Cambria Math" panose="02040503050406030204" pitchFamily="18" charset="0"/>
-                          </a:rPr>
-                          <m:t>𝑖</m:t>
-                        </m:r>
-                        <m:r>
-                          <a:rPr lang="en-US" b="0" i="1" smtClean="0">
-                            <a:solidFill>
-                              <a:schemeClr val="tx1"/>
-                            </a:solidFill>
-                            <a:latin typeface="Cambria Math" panose="02040503050406030204" pitchFamily="18" charset="0"/>
-                          </a:rPr>
-                          <m:t>=0</m:t>
-                        </m:r>
-                      </m:sub>
-                      <m:sup>
-                        <m:d>
-                          <m:dPr>
-                            <m:begChr m:val="⌊"/>
-                            <m:endChr m:val="⌋"/>
-                            <m:ctrlPr>
-                              <a:rPr lang="en-US" i="1" smtClean="0">
-                                <a:solidFill>
-                                  <a:schemeClr val="tx1"/>
-                                </a:solidFill>
-                                <a:latin typeface="Cambria Math" panose="02040503050406030204" pitchFamily="18" charset="0"/>
-                              </a:rPr>
-                            </m:ctrlPr>
-                          </m:dPr>
-                          <m:e>
-                            <m:func>
-                              <m:funcPr>
-                                <m:ctrlPr>
-                                  <a:rPr lang="en-US" i="1" smtClean="0">
-                                    <a:solidFill>
-                                      <a:schemeClr val="tx1"/>
-                                    </a:solidFill>
-                                    <a:latin typeface="Cambria Math" panose="02040503050406030204" pitchFamily="18" charset="0"/>
-                                  </a:rPr>
-                                </m:ctrlPr>
-                              </m:funcPr>
-                              <m:fName>
-                                <m:sSub>
-                                  <m:sSubPr>
-                                    <m:ctrlPr>
-                                      <a:rPr lang="en-US" i="1" smtClean="0">
-                                        <a:solidFill>
-                                          <a:schemeClr val="tx1"/>
-                                        </a:solidFill>
-                                        <a:latin typeface="Cambria Math" panose="02040503050406030204" pitchFamily="18" charset="0"/>
-                                      </a:rPr>
-                                    </m:ctrlPr>
-                                  </m:sSubPr>
-                                  <m:e>
-                                    <m:r>
-                                      <m:rPr>
-                                        <m:sty m:val="p"/>
-                                      </m:rPr>
-                                      <a:rPr lang="en-US" i="0" smtClean="0">
-                                        <a:solidFill>
-                                          <a:schemeClr val="tx1"/>
-                                        </a:solidFill>
-                                        <a:latin typeface="Cambria Math" panose="02040503050406030204" pitchFamily="18" charset="0"/>
-                                      </a:rPr>
-                                      <m:t>log</m:t>
-                                    </m:r>
-                                  </m:e>
-                                  <m:sub>
-                                    <m:r>
-                                      <a:rPr lang="en-US" b="0" i="1" smtClean="0">
-                                        <a:solidFill>
-                                          <a:schemeClr val="tx1"/>
-                                        </a:solidFill>
-                                        <a:latin typeface="Cambria Math" panose="02040503050406030204" pitchFamily="18" charset="0"/>
-                                      </a:rPr>
-                                      <m:t>2</m:t>
-                                    </m:r>
-                                  </m:sub>
-                                </m:sSub>
-                              </m:fName>
-                              <m:e>
-                                <m:r>
-                                  <a:rPr lang="en-US" b="0" i="1" smtClean="0">
-                                    <a:solidFill>
-                                      <a:schemeClr val="tx1"/>
-                                    </a:solidFill>
-                                    <a:latin typeface="Cambria Math" panose="02040503050406030204" pitchFamily="18" charset="0"/>
-                                  </a:rPr>
-                                  <m:t>𝑛</m:t>
-                                </m:r>
-                              </m:e>
-                            </m:func>
-                          </m:e>
-                        </m:d>
-                      </m:sup>
-                      <m:e>
-                        <m:d>
-                          <m:dPr>
-                            <m:begChr m:val="⌈"/>
-                            <m:endChr m:val="⌉"/>
-                            <m:ctrlPr>
-                              <a:rPr lang="en-US" i="1" smtClean="0">
-                                <a:solidFill>
-                                  <a:schemeClr val="tx1"/>
-                                </a:solidFill>
-                                <a:latin typeface="Cambria Math" panose="02040503050406030204" pitchFamily="18" charset="0"/>
-                              </a:rPr>
-                            </m:ctrlPr>
-                          </m:dPr>
-                          <m:e>
-                            <m:box>
-                              <m:boxPr>
-                                <m:ctrlPr>
-                                  <a:rPr lang="en-US" i="1" smtClean="0">
-                                    <a:solidFill>
-                                      <a:schemeClr val="tx1"/>
-                                    </a:solidFill>
-                                    <a:latin typeface="Cambria Math" panose="02040503050406030204" pitchFamily="18" charset="0"/>
-                                  </a:rPr>
-                                </m:ctrlPr>
-                              </m:boxPr>
-                              <m:e>
-                                <m:argPr>
-                                  <m:argSz m:val="-1"/>
-                                </m:argPr>
-                                <m:f>
-                                  <m:fPr>
-                                    <m:ctrlPr>
-                                      <a:rPr lang="en-US" i="1" smtClean="0">
-                                        <a:solidFill>
-                                          <a:schemeClr val="tx1"/>
-                                        </a:solidFill>
-                                        <a:latin typeface="Cambria Math" panose="02040503050406030204" pitchFamily="18" charset="0"/>
-                                      </a:rPr>
-                                    </m:ctrlPr>
-                                  </m:fPr>
-                                  <m:num>
-                                    <m:r>
-                                      <a:rPr lang="en-US" b="0" i="1" smtClean="0">
-                                        <a:solidFill>
-                                          <a:schemeClr val="tx1"/>
-                                        </a:solidFill>
-                                        <a:latin typeface="Cambria Math" panose="02040503050406030204" pitchFamily="18" charset="0"/>
-                                      </a:rPr>
-                                      <m:t>𝑛</m:t>
-                                    </m:r>
-                                  </m:num>
-                                  <m:den>
-                                    <m:sSup>
-                                      <m:sSupPr>
-                                        <m:ctrlPr>
-                                          <a:rPr lang="en-US" i="1" smtClean="0">
-                                            <a:solidFill>
-                                              <a:schemeClr val="tx1"/>
-                                            </a:solidFill>
-                                            <a:latin typeface="Cambria Math" panose="02040503050406030204" pitchFamily="18" charset="0"/>
-                                          </a:rPr>
-                                        </m:ctrlPr>
-                                      </m:sSupPr>
-                                      <m:e>
-                                        <m:r>
-                                          <a:rPr lang="en-US" b="0" i="1" smtClean="0">
-                                            <a:solidFill>
-                                              <a:schemeClr val="tx1"/>
-                                            </a:solidFill>
-                                            <a:latin typeface="Cambria Math" panose="02040503050406030204" pitchFamily="18" charset="0"/>
-                                          </a:rPr>
-                                          <m:t>2</m:t>
-                                        </m:r>
-                                      </m:e>
-                                      <m:sup>
-                                        <m:r>
-                                          <a:rPr lang="en-US" b="0" i="1" smtClean="0">
-                                            <a:solidFill>
-                                              <a:schemeClr val="tx1"/>
-                                            </a:solidFill>
-                                            <a:latin typeface="Cambria Math" panose="02040503050406030204" pitchFamily="18" charset="0"/>
-                                          </a:rPr>
-                                          <m:t>h</m:t>
-                                        </m:r>
-                                        <m:r>
-                                          <a:rPr lang="en-US" b="0" i="1" smtClean="0">
-                                            <a:solidFill>
-                                              <a:schemeClr val="tx1"/>
-                                            </a:solidFill>
-                                            <a:latin typeface="Cambria Math" panose="02040503050406030204" pitchFamily="18" charset="0"/>
-                                          </a:rPr>
-                                          <m:t>+1</m:t>
-                                        </m:r>
-                                      </m:sup>
-                                    </m:sSup>
-                                  </m:den>
-                                </m:f>
-                              </m:e>
-                            </m:box>
-                          </m:e>
-                        </m:d>
-                      </m:e>
-                    </m:nary>
-                    <m:r>
-                      <a:rPr lang="en-US" b="0" i="1" smtClean="0">
-                        <a:solidFill>
-                          <a:schemeClr val="tx1"/>
-                        </a:solidFill>
-                        <a:latin typeface="Cambria Math" panose="02040503050406030204" pitchFamily="18" charset="0"/>
-                      </a:rPr>
-                      <m:t>𝑂</m:t>
-                    </m:r>
-                    <m:d>
-                      <m:dPr>
-                        <m:ctrlPr>
-                          <a:rPr lang="en-US" b="0" i="1" smtClean="0">
-                            <a:solidFill>
-                              <a:schemeClr val="tx1"/>
-                            </a:solidFill>
-                            <a:latin typeface="Cambria Math" panose="02040503050406030204" pitchFamily="18" charset="0"/>
-                          </a:rPr>
-                        </m:ctrlPr>
-                      </m:dPr>
-                      <m:e>
-                        <m:r>
-                          <a:rPr lang="en-US" b="0" i="1" smtClean="0">
-                            <a:solidFill>
-                              <a:schemeClr val="tx1"/>
-                            </a:solidFill>
-                            <a:latin typeface="Cambria Math" panose="02040503050406030204" pitchFamily="18" charset="0"/>
-                          </a:rPr>
-                          <m:t>h</m:t>
-                        </m:r>
-                      </m:e>
-                    </m:d>
-                    <m:r>
-                      <a:rPr lang="en-US" b="0" i="1" smtClean="0">
-                        <a:solidFill>
-                          <a:schemeClr val="tx1"/>
-                        </a:solidFill>
-                        <a:latin typeface="Cambria Math" panose="02040503050406030204" pitchFamily="18" charset="0"/>
-                      </a:rPr>
-                      <m:t>=</m:t>
-                    </m:r>
-                    <m:r>
-                      <a:rPr lang="en-US" b="0" i="1" smtClean="0">
-                        <a:solidFill>
-                          <a:schemeClr val="tx1"/>
-                        </a:solidFill>
-                        <a:latin typeface="Cambria Math" panose="02040503050406030204" pitchFamily="18" charset="0"/>
-                      </a:rPr>
-                      <m:t>𝑂</m:t>
-                    </m:r>
-                    <m:d>
-                      <m:dPr>
-                        <m:ctrlPr>
-                          <a:rPr lang="en-US" b="0" i="1" smtClean="0">
-                            <a:solidFill>
-                              <a:schemeClr val="tx1"/>
-                            </a:solidFill>
-                            <a:latin typeface="Cambria Math" panose="02040503050406030204" pitchFamily="18" charset="0"/>
-                          </a:rPr>
-                        </m:ctrlPr>
-                      </m:dPr>
-                      <m:e>
                         <m:r>
                           <a:rPr lang="en-US" b="0" i="1" smtClean="0">
                             <a:solidFill>
@@ -19745,7 +19931,19 @@
                       <a:rPr lang="en-US" sz="2000" b="0" i="1" smtClean="0">
                         <a:latin typeface="Cambria Math" panose="02040503050406030204" pitchFamily="18" charset="0"/>
                       </a:rPr>
-                      <m:t>[1]</m:t>
+                      <m:t>[</m:t>
+                    </m:r>
+                    <m:r>
+                      <a:rPr lang="en-US" sz="2000" b="0" i="1" smtClean="0">
+                        <a:latin typeface="Cambria Math" panose="02040503050406030204" pitchFamily="18" charset="0"/>
+                      </a:rPr>
+                      <m:t>1</m:t>
+                    </m:r>
+                    <m:r>
+                      <a:rPr lang="en-US" sz="2000" b="0" i="1" smtClean="0">
+                        <a:latin typeface="Cambria Math" panose="02040503050406030204" pitchFamily="18" charset="0"/>
+                      </a:rPr>
+                      <m:t>]</m:t>
                     </m:r>
                   </m:oMath>
                 </a14:m>
@@ -19779,7 +19977,19 @@
                       <a:rPr lang="en-US" sz="2000" b="0" i="1" smtClean="0">
                         <a:latin typeface="Cambria Math" panose="02040503050406030204" pitchFamily="18" charset="0"/>
                       </a:rPr>
-                      <m:t>[1]</m:t>
+                      <m:t>[</m:t>
+                    </m:r>
+                    <m:r>
+                      <a:rPr lang="en-US" sz="2000" b="0" i="1" smtClean="0">
+                        <a:latin typeface="Cambria Math" panose="02040503050406030204" pitchFamily="18" charset="0"/>
+                      </a:rPr>
+                      <m:t>1</m:t>
+                    </m:r>
+                    <m:r>
+                      <a:rPr lang="en-US" sz="2000" b="0" i="1" smtClean="0">
+                        <a:latin typeface="Cambria Math" panose="02040503050406030204" pitchFamily="18" charset="0"/>
+                      </a:rPr>
+                      <m:t>]</m:t>
                     </m:r>
                   </m:oMath>
                 </a14:m>
@@ -19901,7 +20111,19 @@
                       <a:rPr lang="en-US" sz="2000" b="0" i="1" smtClean="0">
                         <a:latin typeface="Cambria Math" panose="02040503050406030204" pitchFamily="18" charset="0"/>
                       </a:rPr>
-                      <m:t>[1]</m:t>
+                      <m:t>[</m:t>
+                    </m:r>
+                    <m:r>
+                      <a:rPr lang="en-US" sz="2000" b="0" i="1" smtClean="0">
+                        <a:latin typeface="Cambria Math" panose="02040503050406030204" pitchFamily="18" charset="0"/>
+                      </a:rPr>
+                      <m:t>1</m:t>
+                    </m:r>
+                    <m:r>
+                      <a:rPr lang="en-US" sz="2000" b="0" i="1" smtClean="0">
+                        <a:latin typeface="Cambria Math" panose="02040503050406030204" pitchFamily="18" charset="0"/>
+                      </a:rPr>
+                      <m:t>]</m:t>
                     </m:r>
                   </m:oMath>
                 </a14:m>
@@ -19987,7 +20209,16 @@
                         </a:solidFill>
                         <a:latin typeface="Cambria Math" panose="02040503050406030204" pitchFamily="18" charset="0"/>
                       </a:rPr>
-                      <m:t>−1</m:t>
+                      <m:t>−</m:t>
+                    </m:r>
+                    <m:r>
+                      <a:rPr lang="en-US" sz="2000" b="0" i="1" smtClean="0">
+                        <a:solidFill>
+                          <a:schemeClr val="tx1"/>
+                        </a:solidFill>
+                        <a:latin typeface="Cambria Math" panose="02040503050406030204" pitchFamily="18" charset="0"/>
+                      </a:rPr>
+                      <m:t>1</m:t>
                     </m:r>
                   </m:oMath>
                 </a14:m>
@@ -22951,7 +23182,19 @@
                       <a:rPr lang="en-US" sz="2800" b="0" i="1" smtClean="0">
                         <a:latin typeface="Cambria Math" panose="02040503050406030204" pitchFamily="18" charset="0"/>
                       </a:rPr>
-                      <m:t>[1]</m:t>
+                      <m:t>[</m:t>
+                    </m:r>
+                    <m:r>
+                      <a:rPr lang="en-US" sz="2800" b="0" i="1" smtClean="0">
+                        <a:latin typeface="Cambria Math" panose="02040503050406030204" pitchFamily="18" charset="0"/>
+                      </a:rPr>
+                      <m:t>1</m:t>
+                    </m:r>
+                    <m:r>
+                      <a:rPr lang="en-US" sz="2800" b="0" i="1" smtClean="0">
+                        <a:latin typeface="Cambria Math" panose="02040503050406030204" pitchFamily="18" charset="0"/>
+                      </a:rPr>
+                      <m:t>]</m:t>
                     </m:r>
                   </m:oMath>
                 </a14:m>
@@ -22994,7 +23237,25 @@
                         </a:solidFill>
                         <a:latin typeface="Cambria Math" panose="02040503050406030204" pitchFamily="18" charset="0"/>
                       </a:rPr>
-                      <m:t>(1)</m:t>
+                      <m:t>(</m:t>
+                    </m:r>
+                    <m:r>
+                      <a:rPr lang="en-US" b="0" i="1" smtClean="0">
+                        <a:solidFill>
+                          <a:schemeClr val="tx1"/>
+                        </a:solidFill>
+                        <a:latin typeface="Cambria Math" panose="02040503050406030204" pitchFamily="18" charset="0"/>
+                      </a:rPr>
+                      <m:t>1</m:t>
+                    </m:r>
+                    <m:r>
+                      <a:rPr lang="en-US" b="0" i="1" smtClean="0">
+                        <a:solidFill>
+                          <a:schemeClr val="tx1"/>
+                        </a:solidFill>
+                        <a:latin typeface="Cambria Math" panose="02040503050406030204" pitchFamily="18" charset="0"/>
+                      </a:rPr>
+                      <m:t>)</m:t>
                     </m:r>
                   </m:oMath>
                 </a14:m>
@@ -23352,7 +23613,19 @@
                       <a:rPr lang="en-US" i="1">
                         <a:latin typeface="Cambria Math" panose="02040503050406030204" pitchFamily="18" charset="0"/>
                       </a:rPr>
-                      <m:t>[1]</m:t>
+                      <m:t>[</m:t>
+                    </m:r>
+                    <m:r>
+                      <a:rPr lang="en-US" i="1">
+                        <a:latin typeface="Cambria Math" panose="02040503050406030204" pitchFamily="18" charset="0"/>
+                      </a:rPr>
+                      <m:t>1</m:t>
+                    </m:r>
+                    <m:r>
+                      <a:rPr lang="en-US" i="1">
+                        <a:latin typeface="Cambria Math" panose="02040503050406030204" pitchFamily="18" charset="0"/>
+                      </a:rPr>
+                      <m:t>]</m:t>
                     </m:r>
                   </m:oMath>
                 </a14:m>
@@ -23536,8 +23809,8 @@
           </a:prstGeom>
         </p:spPr>
       </p:pic>
-      <mc:AlternateContent xmlns:mc="http://schemas.openxmlformats.org/markup-compatibility/2006">
-        <mc:Choice xmlns:a14="http://schemas.microsoft.com/office/drawing/2010/main" Requires="a14">
+      <mc:AlternateContent xmlns:mc="http://schemas.openxmlformats.org/markup-compatibility/2006" xmlns:a14="http://schemas.microsoft.com/office/drawing/2010/main">
+        <mc:Choice Requires="a14">
           <p:sp>
             <p:nvSpPr>
               <p:cNvPr id="8" name="TextBox 7">
@@ -23714,7 +23987,7 @@
             </p:txBody>
           </p:sp>
         </mc:Choice>
-        <mc:Fallback>
+        <mc:Fallback xmlns="">
           <p:sp>
             <p:nvSpPr>
               <p:cNvPr id="8" name="TextBox 7">
@@ -27155,7 +27428,19 @@
                       <a:rPr lang="en-US" b="0" i="1" smtClean="0">
                         <a:latin typeface="Cambria Math" panose="02040503050406030204" pitchFamily="18" charset="0"/>
                       </a:rPr>
-                      <m:t>[1]</m:t>
+                      <m:t>[</m:t>
+                    </m:r>
+                    <m:r>
+                      <a:rPr lang="en-US" b="0" i="1" smtClean="0">
+                        <a:latin typeface="Cambria Math" panose="02040503050406030204" pitchFamily="18" charset="0"/>
+                      </a:rPr>
+                      <m:t>1</m:t>
+                    </m:r>
+                    <m:r>
+                      <a:rPr lang="en-US" b="0" i="1" smtClean="0">
+                        <a:latin typeface="Cambria Math" panose="02040503050406030204" pitchFamily="18" charset="0"/>
+                      </a:rPr>
+                      <m:t>]</m:t>
                     </m:r>
                   </m:oMath>
                 </a14:m>
